--- a/Pro-Prak periode 4.pptx
+++ b/Pro-Prak periode 4.pptx
@@ -5,10 +5,10 @@
     <p:sldMasterId id="2147483800" r:id="rId4"/>
   </p:sldMasterIdLst>
   <p:notesMasterIdLst>
-    <p:notesMasterId r:id="rId15"/>
+    <p:notesMasterId r:id="rId16"/>
   </p:notesMasterIdLst>
   <p:handoutMasterIdLst>
-    <p:handoutMasterId r:id="rId16"/>
+    <p:handoutMasterId r:id="rId17"/>
   </p:handoutMasterIdLst>
   <p:sldIdLst>
     <p:sldId id="278" r:id="rId5"/>
@@ -21,6 +21,7 @@
     <p:sldId id="282" r:id="rId12"/>
     <p:sldId id="284" r:id="rId13"/>
     <p:sldId id="283" r:id="rId14"/>
+    <p:sldId id="288" r:id="rId15"/>
   </p:sldIdLst>
   <p:sldSz cx="12192000" cy="6858000"/>
   <p:notesSz cx="6858000" cy="9144000"/>
@@ -872,6 +873,151 @@
     <p:extLst>
       <p:ext uri="{BB962C8B-B14F-4D97-AF65-F5344CB8AC3E}">
         <p14:creationId xmlns:p14="http://schemas.microsoft.com/office/powerpoint/2010/main" val="3428529007"/>
+      </p:ext>
+    </p:extLst>
+  </p:cSld>
+  <p:clrMapOvr>
+    <a:masterClrMapping/>
+  </p:clrMapOvr>
+</p:notes>
+</file>
+
+<file path=ppt/notesSlides/notesSlide11.xml><?xml version="1.0" encoding="utf-8"?>
+<p:notes xmlns:a="http://schemas.openxmlformats.org/drawingml/2006/main" xmlns:r="http://schemas.openxmlformats.org/officeDocument/2006/relationships" xmlns:p="http://schemas.openxmlformats.org/presentationml/2006/main">
+  <p:cSld>
+    <p:spTree>
+      <p:nvGrpSpPr>
+        <p:cNvPr id="1" name=""/>
+        <p:cNvGrpSpPr/>
+        <p:nvPr/>
+      </p:nvGrpSpPr>
+      <p:grpSpPr>
+        <a:xfrm>
+          <a:off x="0" y="0"/>
+          <a:ext cx="0" cy="0"/>
+          <a:chOff x="0" y="0"/>
+          <a:chExt cx="0" cy="0"/>
+        </a:xfrm>
+      </p:grpSpPr>
+      <p:sp>
+        <p:nvSpPr>
+          <p:cNvPr id="2" name="Tijdelijke aanduiding voor dia-afbeelding 1"/>
+          <p:cNvSpPr>
+            <a:spLocks noGrp="1" noRot="1" noChangeAspect="1"/>
+          </p:cNvSpPr>
+          <p:nvPr>
+            <p:ph type="sldImg"/>
+          </p:nvPr>
+        </p:nvSpPr>
+        <p:spPr/>
+      </p:sp>
+      <p:sp>
+        <p:nvSpPr>
+          <p:cNvPr id="3" name="Tijdelijke aanduiding voor notities 2"/>
+          <p:cNvSpPr>
+            <a:spLocks noGrp="1"/>
+          </p:cNvSpPr>
+          <p:nvPr>
+            <p:ph type="body" idx="1"/>
+          </p:nvPr>
+        </p:nvSpPr>
+        <p:spPr/>
+        <p:txBody>
+          <a:bodyPr rtlCol="0"/>
+          <a:lstStyle/>
+          <a:p>
+            <a:pPr rtl="0"/>
+            <a:endParaRPr lang="nl-NL" dirty="0"/>
+          </a:p>
+        </p:txBody>
+      </p:sp>
+      <p:sp>
+        <p:nvSpPr>
+          <p:cNvPr id="4" name="Tijdelijke aanduiding voor dianummer 3"/>
+          <p:cNvSpPr>
+            <a:spLocks noGrp="1"/>
+          </p:cNvSpPr>
+          <p:nvPr>
+            <p:ph type="sldNum" sz="quarter" idx="5"/>
+          </p:nvPr>
+        </p:nvSpPr>
+        <p:spPr/>
+        <p:txBody>
+          <a:bodyPr rtlCol="0"/>
+          <a:lstStyle/>
+          <a:p>
+            <a:pPr marL="0" marR="0" lvl="0" indent="0" algn="r" defTabSz="914400" rtl="0" eaLnBrk="1" fontAlgn="auto" latinLnBrk="0" hangingPunct="1">
+              <a:lnSpc>
+                <a:spcPct val="100000"/>
+              </a:lnSpc>
+              <a:spcBef>
+                <a:spcPts val="0"/>
+              </a:spcBef>
+              <a:spcAft>
+                <a:spcPts val="0"/>
+              </a:spcAft>
+              <a:buClrTx/>
+              <a:buSzTx/>
+              <a:buFontTx/>
+              <a:buNone/>
+              <a:tabLst/>
+              <a:defRPr/>
+            </a:pPr>
+            <a:fld id="{33AEA074-24A7-4657-AE02-A51F68EA6AA2}" type="slidenum">
+              <a:rPr kumimoji="0" lang="nl-NL" sz="1200" b="0" i="0" u="none" strike="noStrike" kern="1200" cap="none" spc="0" normalizeH="0" baseline="0" smtClean="0">
+                <a:ln>
+                  <a:noFill/>
+                </a:ln>
+                <a:solidFill>
+                  <a:prstClr val="black"/>
+                </a:solidFill>
+                <a:effectLst/>
+                <a:uLnTx/>
+                <a:uFillTx/>
+                <a:latin typeface="Calibri" panose="020F0502020204030204"/>
+                <a:ea typeface="+mn-ea"/>
+                <a:cs typeface="+mn-cs"/>
+              </a:rPr>
+              <a:pPr marL="0" marR="0" lvl="0" indent="0" algn="r" defTabSz="914400" rtl="0" eaLnBrk="1" fontAlgn="auto" latinLnBrk="0" hangingPunct="1">
+                <a:lnSpc>
+                  <a:spcPct val="100000"/>
+                </a:lnSpc>
+                <a:spcBef>
+                  <a:spcPts val="0"/>
+                </a:spcBef>
+                <a:spcAft>
+                  <a:spcPts val="0"/>
+                </a:spcAft>
+                <a:buClrTx/>
+                <a:buSzTx/>
+                <a:buFontTx/>
+                <a:buNone/>
+                <a:tabLst/>
+                <a:defRPr/>
+              </a:pPr>
+              <a:t>11</a:t>
+            </a:fld>
+            <a:endParaRPr kumimoji="0" lang="nl-NL" sz="1200" b="0" i="0" u="none" strike="noStrike" kern="1200" cap="none" spc="0" normalizeH="0" baseline="0" dirty="0">
+              <a:ln>
+                <a:noFill/>
+              </a:ln>
+              <a:solidFill>
+                <a:prstClr val="black"/>
+              </a:solidFill>
+              <a:effectLst/>
+              <a:uLnTx/>
+              <a:uFillTx/>
+              <a:latin typeface="Calibri" panose="020F0502020204030204"/>
+              <a:ea typeface="+mn-ea"/>
+              <a:cs typeface="+mn-cs"/>
+            </a:endParaRPr>
+          </a:p>
+        </p:txBody>
+      </p:sp>
+    </p:spTree>
+    <p:extLst>
+      <p:ext uri="{BB962C8B-B14F-4D97-AF65-F5344CB8AC3E}">
+        <p14:creationId xmlns:p14="http://schemas.microsoft.com/office/powerpoint/2010/main" val="2140149600"/>
       </p:ext>
     </p:extLst>
   </p:cSld>
@@ -12495,6 +12641,2728 @@
 </p:sld>
 </file>
 
+<file path=ppt/slides/slide11.xml><?xml version="1.0" encoding="utf-8"?>
+<p:sld xmlns:a="http://schemas.openxmlformats.org/drawingml/2006/main" xmlns:r="http://schemas.openxmlformats.org/officeDocument/2006/relationships" xmlns:p="http://schemas.openxmlformats.org/presentationml/2006/main">
+  <p:cSld>
+    <p:bg>
+      <p:bgPr>
+        <a:solidFill>
+          <a:schemeClr val="bg1"/>
+        </a:solidFill>
+        <a:effectLst/>
+      </p:bgPr>
+    </p:bg>
+    <p:spTree>
+      <p:nvGrpSpPr>
+        <p:cNvPr id="1" name=""/>
+        <p:cNvGrpSpPr/>
+        <p:nvPr/>
+      </p:nvGrpSpPr>
+      <p:grpSpPr>
+        <a:xfrm>
+          <a:off x="0" y="0"/>
+          <a:ext cx="0" cy="0"/>
+          <a:chOff x="0" y="0"/>
+          <a:chExt cx="0" cy="0"/>
+        </a:xfrm>
+      </p:grpSpPr>
+      <p:grpSp>
+        <p:nvGrpSpPr>
+          <p:cNvPr id="29" name="Group 28">
+            <a:extLst>
+              <a:ext uri="{FF2B5EF4-FFF2-40B4-BE49-F238E27FC236}">
+                <a16:creationId xmlns:a16="http://schemas.microsoft.com/office/drawing/2014/main" id="{7398C59F-5A18-487B-91D6-B955AACF2E50}"/>
+              </a:ext>
+              <a:ext uri="{C183D7F6-B498-43B3-948B-1728B52AA6E4}">
+                <adec:decorative xmlns:adec="http://schemas.microsoft.com/office/drawing/2017/decorative" val="1"/>
+              </a:ext>
+            </a:extLst>
+          </p:cNvPr>
+          <p:cNvGrpSpPr>
+            <a:grpSpLocks noGrp="1" noUngrp="1" noRot="1" noChangeAspect="1" noMove="1" noResize="1"/>
+          </p:cNvGrpSpPr>
+          <p:nvPr>
+            <p:extLst>
+              <p:ext uri="{386F3935-93C4-4BCD-93E2-E3B085C9AB24}">
+                <p16:designElem xmlns:p16="http://schemas.microsoft.com/office/powerpoint/2015/main" val="1"/>
+              </p:ext>
+            </p:extLst>
+          </p:nvPr>
+        </p:nvGrpSpPr>
+        <p:grpSpPr>
+          <a:xfrm>
+            <a:off x="9" y="228600"/>
+            <a:ext cx="2851523" cy="6638625"/>
+            <a:chOff x="2487613" y="285750"/>
+            <a:chExt cx="2428875" cy="5654676"/>
+          </a:xfrm>
+        </p:grpSpPr>
+        <p:sp>
+          <p:nvSpPr>
+            <p:cNvPr id="30" name="Freeform 11">
+              <a:extLst>
+                <a:ext uri="{FF2B5EF4-FFF2-40B4-BE49-F238E27FC236}">
+                  <a16:creationId xmlns:a16="http://schemas.microsoft.com/office/drawing/2014/main" id="{0557FAFE-C7C3-47EC-A4F5-9B2166319209}"/>
+                </a:ext>
+                <a:ext uri="{C183D7F6-B498-43B3-948B-1728B52AA6E4}">
+                  <adec:decorative xmlns:adec="http://schemas.microsoft.com/office/drawing/2017/decorative" val="1"/>
+                </a:ext>
+              </a:extLst>
+            </p:cNvPr>
+            <p:cNvSpPr/>
+            <p:nvPr>
+              <p:extLst>
+                <p:ext uri="{386F3935-93C4-4BCD-93E2-E3B085C9AB24}">
+                  <p16:designElem xmlns:p16="http://schemas.microsoft.com/office/powerpoint/2015/main" val="1"/>
+                </p:ext>
+              </p:extLst>
+            </p:nvPr>
+          </p:nvSpPr>
+          <p:spPr bwMode="auto">
+            <a:xfrm>
+              <a:off x="2487613" y="2284413"/>
+              <a:ext cx="85725" cy="533400"/>
+            </a:xfrm>
+            <a:custGeom>
+              <a:avLst/>
+              <a:gdLst/>
+              <a:ahLst/>
+              <a:cxnLst/>
+              <a:rect l="0" t="0" r="r" b="b"/>
+              <a:pathLst>
+                <a:path w="22" h="136">
+                  <a:moveTo>
+                    <a:pt x="22" y="136"/>
+                  </a:moveTo>
+                  <a:cubicBezTo>
+                    <a:pt x="20" y="117"/>
+                    <a:pt x="19" y="99"/>
+                    <a:pt x="17" y="80"/>
+                  </a:cubicBezTo>
+                  <a:cubicBezTo>
+                    <a:pt x="11" y="54"/>
+                    <a:pt x="6" y="27"/>
+                    <a:pt x="0" y="0"/>
+                  </a:cubicBezTo>
+                  <a:cubicBezTo>
+                    <a:pt x="0" y="35"/>
+                    <a:pt x="0" y="35"/>
+                    <a:pt x="0" y="35"/>
+                  </a:cubicBezTo>
+                  <a:cubicBezTo>
+                    <a:pt x="6" y="64"/>
+                    <a:pt x="13" y="94"/>
+                    <a:pt x="20" y="124"/>
+                  </a:cubicBezTo>
+                  <a:cubicBezTo>
+                    <a:pt x="20" y="128"/>
+                    <a:pt x="21" y="132"/>
+                    <a:pt x="22" y="136"/>
+                  </a:cubicBezTo>
+                  <a:close/>
+                </a:path>
+              </a:pathLst>
+            </a:custGeom>
+            <a:solidFill>
+              <a:schemeClr val="tx2">
+                <a:alpha val="20000"/>
+              </a:schemeClr>
+            </a:solidFill>
+            <a:ln>
+              <a:noFill/>
+            </a:ln>
+          </p:spPr>
+        </p:sp>
+        <p:sp>
+          <p:nvSpPr>
+            <p:cNvPr id="31" name="Freeform 12">
+              <a:extLst>
+                <a:ext uri="{FF2B5EF4-FFF2-40B4-BE49-F238E27FC236}">
+                  <a16:creationId xmlns:a16="http://schemas.microsoft.com/office/drawing/2014/main" id="{95BC28FB-3882-4674-9D79-EA58BEB7CEB1}"/>
+                </a:ext>
+                <a:ext uri="{C183D7F6-B498-43B3-948B-1728B52AA6E4}">
+                  <adec:decorative xmlns:adec="http://schemas.microsoft.com/office/drawing/2017/decorative" val="1"/>
+                </a:ext>
+              </a:extLst>
+            </p:cNvPr>
+            <p:cNvSpPr/>
+            <p:nvPr>
+              <p:extLst>
+                <p:ext uri="{386F3935-93C4-4BCD-93E2-E3B085C9AB24}">
+                  <p16:designElem xmlns:p16="http://schemas.microsoft.com/office/powerpoint/2015/main" val="1"/>
+                </p:ext>
+              </p:extLst>
+            </p:nvPr>
+          </p:nvSpPr>
+          <p:spPr bwMode="auto">
+            <a:xfrm>
+              <a:off x="2597151" y="2779713"/>
+              <a:ext cx="550863" cy="1978025"/>
+            </a:xfrm>
+            <a:custGeom>
+              <a:avLst/>
+              <a:gdLst/>
+              <a:ahLst/>
+              <a:cxnLst/>
+              <a:rect l="0" t="0" r="r" b="b"/>
+              <a:pathLst>
+                <a:path w="140" h="504">
+                  <a:moveTo>
+                    <a:pt x="86" y="350"/>
+                  </a:moveTo>
+                  <a:cubicBezTo>
+                    <a:pt x="103" y="402"/>
+                    <a:pt x="120" y="453"/>
+                    <a:pt x="139" y="504"/>
+                  </a:cubicBezTo>
+                  <a:cubicBezTo>
+                    <a:pt x="139" y="495"/>
+                    <a:pt x="139" y="487"/>
+                    <a:pt x="140" y="478"/>
+                  </a:cubicBezTo>
+                  <a:cubicBezTo>
+                    <a:pt x="124" y="435"/>
+                    <a:pt x="109" y="391"/>
+                    <a:pt x="95" y="347"/>
+                  </a:cubicBezTo>
+                  <a:cubicBezTo>
+                    <a:pt x="58" y="233"/>
+                    <a:pt x="27" y="117"/>
+                    <a:pt x="0" y="0"/>
+                  </a:cubicBezTo>
+                  <a:cubicBezTo>
+                    <a:pt x="2" y="20"/>
+                    <a:pt x="4" y="41"/>
+                    <a:pt x="6" y="61"/>
+                  </a:cubicBezTo>
+                  <a:cubicBezTo>
+                    <a:pt x="30" y="158"/>
+                    <a:pt x="56" y="255"/>
+                    <a:pt x="86" y="350"/>
+                  </a:cubicBezTo>
+                  <a:close/>
+                </a:path>
+              </a:pathLst>
+            </a:custGeom>
+            <a:solidFill>
+              <a:schemeClr val="tx2">
+                <a:alpha val="20000"/>
+              </a:schemeClr>
+            </a:solidFill>
+            <a:ln>
+              <a:noFill/>
+            </a:ln>
+          </p:spPr>
+        </p:sp>
+        <p:sp>
+          <p:nvSpPr>
+            <p:cNvPr id="32" name="Freeform 13">
+              <a:extLst>
+                <a:ext uri="{FF2B5EF4-FFF2-40B4-BE49-F238E27FC236}">
+                  <a16:creationId xmlns:a16="http://schemas.microsoft.com/office/drawing/2014/main" id="{9C6EC892-83F9-402F-8552-0AD7C0556EBC}"/>
+                </a:ext>
+                <a:ext uri="{C183D7F6-B498-43B3-948B-1728B52AA6E4}">
+                  <adec:decorative xmlns:adec="http://schemas.microsoft.com/office/drawing/2017/decorative" val="1"/>
+                </a:ext>
+              </a:extLst>
+            </p:cNvPr>
+            <p:cNvSpPr/>
+            <p:nvPr>
+              <p:extLst>
+                <p:ext uri="{386F3935-93C4-4BCD-93E2-E3B085C9AB24}">
+                  <p16:designElem xmlns:p16="http://schemas.microsoft.com/office/powerpoint/2015/main" val="1"/>
+                </p:ext>
+              </p:extLst>
+            </p:nvPr>
+          </p:nvSpPr>
+          <p:spPr bwMode="auto">
+            <a:xfrm>
+              <a:off x="3175001" y="4730750"/>
+              <a:ext cx="519113" cy="1209675"/>
+            </a:xfrm>
+            <a:custGeom>
+              <a:avLst/>
+              <a:gdLst/>
+              <a:ahLst/>
+              <a:cxnLst/>
+              <a:rect l="0" t="0" r="r" b="b"/>
+              <a:pathLst>
+                <a:path w="132" h="308">
+                  <a:moveTo>
+                    <a:pt x="8" y="22"/>
+                  </a:moveTo>
+                  <a:cubicBezTo>
+                    <a:pt x="5" y="15"/>
+                    <a:pt x="2" y="8"/>
+                    <a:pt x="0" y="0"/>
+                  </a:cubicBezTo>
+                  <a:cubicBezTo>
+                    <a:pt x="0" y="10"/>
+                    <a:pt x="0" y="19"/>
+                    <a:pt x="0" y="29"/>
+                  </a:cubicBezTo>
+                  <a:cubicBezTo>
+                    <a:pt x="21" y="85"/>
+                    <a:pt x="44" y="140"/>
+                    <a:pt x="68" y="194"/>
+                  </a:cubicBezTo>
+                  <a:cubicBezTo>
+                    <a:pt x="85" y="232"/>
+                    <a:pt x="104" y="270"/>
+                    <a:pt x="123" y="308"/>
+                  </a:cubicBezTo>
+                  <a:cubicBezTo>
+                    <a:pt x="132" y="308"/>
+                    <a:pt x="132" y="308"/>
+                    <a:pt x="132" y="308"/>
+                  </a:cubicBezTo>
+                  <a:cubicBezTo>
+                    <a:pt x="113" y="269"/>
+                    <a:pt x="94" y="230"/>
+                    <a:pt x="77" y="190"/>
+                  </a:cubicBezTo>
+                  <a:cubicBezTo>
+                    <a:pt x="52" y="135"/>
+                    <a:pt x="29" y="79"/>
+                    <a:pt x="8" y="22"/>
+                  </a:cubicBezTo>
+                  <a:close/>
+                </a:path>
+              </a:pathLst>
+            </a:custGeom>
+            <a:solidFill>
+              <a:schemeClr val="tx2">
+                <a:alpha val="20000"/>
+              </a:schemeClr>
+            </a:solidFill>
+            <a:ln>
+              <a:noFill/>
+            </a:ln>
+          </p:spPr>
+        </p:sp>
+        <p:sp>
+          <p:nvSpPr>
+            <p:cNvPr id="33" name="Freeform 14">
+              <a:extLst>
+                <a:ext uri="{FF2B5EF4-FFF2-40B4-BE49-F238E27FC236}">
+                  <a16:creationId xmlns:a16="http://schemas.microsoft.com/office/drawing/2014/main" id="{18387766-037C-4EF0-8471-D19CBF2A431F}"/>
+                </a:ext>
+                <a:ext uri="{C183D7F6-B498-43B3-948B-1728B52AA6E4}">
+                  <adec:decorative xmlns:adec="http://schemas.microsoft.com/office/drawing/2017/decorative" val="1"/>
+                </a:ext>
+              </a:extLst>
+            </p:cNvPr>
+            <p:cNvSpPr/>
+            <p:nvPr>
+              <p:extLst>
+                <p:ext uri="{386F3935-93C4-4BCD-93E2-E3B085C9AB24}">
+                  <p16:designElem xmlns:p16="http://schemas.microsoft.com/office/powerpoint/2015/main" val="1"/>
+                </p:ext>
+              </p:extLst>
+            </p:nvPr>
+          </p:nvSpPr>
+          <p:spPr bwMode="auto">
+            <a:xfrm>
+              <a:off x="3305176" y="5630863"/>
+              <a:ext cx="146050" cy="309563"/>
+            </a:xfrm>
+            <a:custGeom>
+              <a:avLst/>
+              <a:gdLst/>
+              <a:ahLst/>
+              <a:cxnLst/>
+              <a:rect l="0" t="0" r="r" b="b"/>
+              <a:pathLst>
+                <a:path w="37" h="79">
+                  <a:moveTo>
+                    <a:pt x="28" y="79"/>
+                  </a:moveTo>
+                  <a:cubicBezTo>
+                    <a:pt x="37" y="79"/>
+                    <a:pt x="37" y="79"/>
+                    <a:pt x="37" y="79"/>
+                  </a:cubicBezTo>
+                  <a:cubicBezTo>
+                    <a:pt x="24" y="53"/>
+                    <a:pt x="12" y="27"/>
+                    <a:pt x="0" y="0"/>
+                  </a:cubicBezTo>
+                  <a:cubicBezTo>
+                    <a:pt x="8" y="27"/>
+                    <a:pt x="17" y="53"/>
+                    <a:pt x="28" y="79"/>
+                  </a:cubicBezTo>
+                  <a:close/>
+                </a:path>
+              </a:pathLst>
+            </a:custGeom>
+            <a:solidFill>
+              <a:schemeClr val="tx2">
+                <a:alpha val="20000"/>
+              </a:schemeClr>
+            </a:solidFill>
+            <a:ln>
+              <a:noFill/>
+            </a:ln>
+          </p:spPr>
+        </p:sp>
+        <p:sp>
+          <p:nvSpPr>
+            <p:cNvPr id="34" name="Freeform 15">
+              <a:extLst>
+                <a:ext uri="{FF2B5EF4-FFF2-40B4-BE49-F238E27FC236}">
+                  <a16:creationId xmlns:a16="http://schemas.microsoft.com/office/drawing/2014/main" id="{1E364F38-6F3A-476A-93E6-962EA817C427}"/>
+                </a:ext>
+                <a:ext uri="{C183D7F6-B498-43B3-948B-1728B52AA6E4}">
+                  <adec:decorative xmlns:adec="http://schemas.microsoft.com/office/drawing/2017/decorative" val="1"/>
+                </a:ext>
+              </a:extLst>
+            </p:cNvPr>
+            <p:cNvSpPr/>
+            <p:nvPr>
+              <p:extLst>
+                <p:ext uri="{386F3935-93C4-4BCD-93E2-E3B085C9AB24}">
+                  <p16:designElem xmlns:p16="http://schemas.microsoft.com/office/powerpoint/2015/main" val="1"/>
+                </p:ext>
+              </p:extLst>
+            </p:nvPr>
+          </p:nvSpPr>
+          <p:spPr bwMode="auto">
+            <a:xfrm>
+              <a:off x="2573338" y="2817813"/>
+              <a:ext cx="700088" cy="2835275"/>
+            </a:xfrm>
+            <a:custGeom>
+              <a:avLst/>
+              <a:gdLst/>
+              <a:ahLst/>
+              <a:cxnLst/>
+              <a:rect l="0" t="0" r="r" b="b"/>
+              <a:pathLst>
+                <a:path w="178" h="722">
+                  <a:moveTo>
+                    <a:pt x="162" y="660"/>
+                  </a:moveTo>
+                  <a:cubicBezTo>
+                    <a:pt x="145" y="618"/>
+                    <a:pt x="130" y="576"/>
+                    <a:pt x="116" y="534"/>
+                  </a:cubicBezTo>
+                  <a:cubicBezTo>
+                    <a:pt x="84" y="437"/>
+                    <a:pt x="59" y="337"/>
+                    <a:pt x="40" y="236"/>
+                  </a:cubicBezTo>
+                  <a:cubicBezTo>
+                    <a:pt x="29" y="175"/>
+                    <a:pt x="20" y="113"/>
+                    <a:pt x="12" y="51"/>
+                  </a:cubicBezTo>
+                  <a:cubicBezTo>
+                    <a:pt x="8" y="34"/>
+                    <a:pt x="4" y="17"/>
+                    <a:pt x="0" y="0"/>
+                  </a:cubicBezTo>
+                  <a:cubicBezTo>
+                    <a:pt x="8" y="79"/>
+                    <a:pt x="19" y="159"/>
+                    <a:pt x="33" y="237"/>
+                  </a:cubicBezTo>
+                  <a:cubicBezTo>
+                    <a:pt x="51" y="339"/>
+                    <a:pt x="76" y="439"/>
+                    <a:pt x="107" y="537"/>
+                  </a:cubicBezTo>
+                  <a:cubicBezTo>
+                    <a:pt x="123" y="586"/>
+                    <a:pt x="141" y="634"/>
+                    <a:pt x="160" y="681"/>
+                  </a:cubicBezTo>
+                  <a:cubicBezTo>
+                    <a:pt x="166" y="695"/>
+                    <a:pt x="172" y="708"/>
+                    <a:pt x="178" y="722"/>
+                  </a:cubicBezTo>
+                  <a:cubicBezTo>
+                    <a:pt x="176" y="717"/>
+                    <a:pt x="175" y="713"/>
+                    <a:pt x="174" y="708"/>
+                  </a:cubicBezTo>
+                  <a:cubicBezTo>
+                    <a:pt x="169" y="692"/>
+                    <a:pt x="165" y="676"/>
+                    <a:pt x="162" y="660"/>
+                  </a:cubicBezTo>
+                  <a:close/>
+                </a:path>
+              </a:pathLst>
+            </a:custGeom>
+            <a:solidFill>
+              <a:schemeClr val="tx2">
+                <a:alpha val="20000"/>
+              </a:schemeClr>
+            </a:solidFill>
+            <a:ln>
+              <a:noFill/>
+            </a:ln>
+          </p:spPr>
+        </p:sp>
+        <p:sp>
+          <p:nvSpPr>
+            <p:cNvPr id="35" name="Freeform 16">
+              <a:extLst>
+                <a:ext uri="{FF2B5EF4-FFF2-40B4-BE49-F238E27FC236}">
+                  <a16:creationId xmlns:a16="http://schemas.microsoft.com/office/drawing/2014/main" id="{35C335A4-1E67-4293-8BE2-DFB085D4FBBC}"/>
+                </a:ext>
+                <a:ext uri="{C183D7F6-B498-43B3-948B-1728B52AA6E4}">
+                  <adec:decorative xmlns:adec="http://schemas.microsoft.com/office/drawing/2017/decorative" val="1"/>
+                </a:ext>
+              </a:extLst>
+            </p:cNvPr>
+            <p:cNvSpPr/>
+            <p:nvPr>
+              <p:extLst>
+                <p:ext uri="{386F3935-93C4-4BCD-93E2-E3B085C9AB24}">
+                  <p16:designElem xmlns:p16="http://schemas.microsoft.com/office/powerpoint/2015/main" val="1"/>
+                </p:ext>
+              </p:extLst>
+            </p:nvPr>
+          </p:nvSpPr>
+          <p:spPr bwMode="auto">
+            <a:xfrm>
+              <a:off x="2506663" y="285750"/>
+              <a:ext cx="90488" cy="2493963"/>
+            </a:xfrm>
+            <a:custGeom>
+              <a:avLst/>
+              <a:gdLst/>
+              <a:ahLst/>
+              <a:cxnLst/>
+              <a:rect l="0" t="0" r="r" b="b"/>
+              <a:pathLst>
+                <a:path w="23" h="635">
+                  <a:moveTo>
+                    <a:pt x="11" y="577"/>
+                  </a:moveTo>
+                  <a:cubicBezTo>
+                    <a:pt x="12" y="581"/>
+                    <a:pt x="12" y="585"/>
+                    <a:pt x="12" y="589"/>
+                  </a:cubicBezTo>
+                  <a:cubicBezTo>
+                    <a:pt x="15" y="603"/>
+                    <a:pt x="19" y="617"/>
+                    <a:pt x="22" y="632"/>
+                  </a:cubicBezTo>
+                  <a:cubicBezTo>
+                    <a:pt x="22" y="633"/>
+                    <a:pt x="22" y="634"/>
+                    <a:pt x="23" y="635"/>
+                  </a:cubicBezTo>
+                  <a:cubicBezTo>
+                    <a:pt x="21" y="615"/>
+                    <a:pt x="19" y="596"/>
+                    <a:pt x="17" y="576"/>
+                  </a:cubicBezTo>
+                  <a:cubicBezTo>
+                    <a:pt x="9" y="474"/>
+                    <a:pt x="5" y="372"/>
+                    <a:pt x="5" y="269"/>
+                  </a:cubicBezTo>
+                  <a:cubicBezTo>
+                    <a:pt x="6" y="179"/>
+                    <a:pt x="9" y="90"/>
+                    <a:pt x="15" y="0"/>
+                  </a:cubicBezTo>
+                  <a:cubicBezTo>
+                    <a:pt x="12" y="0"/>
+                    <a:pt x="12" y="0"/>
+                    <a:pt x="12" y="0"/>
+                  </a:cubicBezTo>
+                  <a:cubicBezTo>
+                    <a:pt x="5" y="89"/>
+                    <a:pt x="2" y="179"/>
+                    <a:pt x="1" y="269"/>
+                  </a:cubicBezTo>
+                  <a:cubicBezTo>
+                    <a:pt x="0" y="372"/>
+                    <a:pt x="3" y="474"/>
+                    <a:pt x="11" y="577"/>
+                  </a:cubicBezTo>
+                  <a:close/>
+                </a:path>
+              </a:pathLst>
+            </a:custGeom>
+            <a:solidFill>
+              <a:schemeClr val="tx2">
+                <a:alpha val="20000"/>
+              </a:schemeClr>
+            </a:solidFill>
+            <a:ln>
+              <a:noFill/>
+            </a:ln>
+          </p:spPr>
+        </p:sp>
+        <p:sp>
+          <p:nvSpPr>
+            <p:cNvPr id="36" name="Freeform 17">
+              <a:extLst>
+                <a:ext uri="{FF2B5EF4-FFF2-40B4-BE49-F238E27FC236}">
+                  <a16:creationId xmlns:a16="http://schemas.microsoft.com/office/drawing/2014/main" id="{9A8A0F10-2C98-4297-9F92-5D95533927BD}"/>
+                </a:ext>
+                <a:ext uri="{C183D7F6-B498-43B3-948B-1728B52AA6E4}">
+                  <adec:decorative xmlns:adec="http://schemas.microsoft.com/office/drawing/2017/decorative" val="1"/>
+                </a:ext>
+              </a:extLst>
+            </p:cNvPr>
+            <p:cNvSpPr/>
+            <p:nvPr>
+              <p:extLst>
+                <p:ext uri="{386F3935-93C4-4BCD-93E2-E3B085C9AB24}">
+                  <p16:designElem xmlns:p16="http://schemas.microsoft.com/office/powerpoint/2015/main" val="1"/>
+                </p:ext>
+              </p:extLst>
+            </p:nvPr>
+          </p:nvSpPr>
+          <p:spPr bwMode="auto">
+            <a:xfrm>
+              <a:off x="2554288" y="2598738"/>
+              <a:ext cx="66675" cy="420688"/>
+            </a:xfrm>
+            <a:custGeom>
+              <a:avLst/>
+              <a:gdLst/>
+              <a:ahLst/>
+              <a:cxnLst/>
+              <a:rect l="0" t="0" r="r" b="b"/>
+              <a:pathLst>
+                <a:path w="17" h="107">
+                  <a:moveTo>
+                    <a:pt x="0" y="0"/>
+                  </a:moveTo>
+                  <a:cubicBezTo>
+                    <a:pt x="2" y="19"/>
+                    <a:pt x="3" y="37"/>
+                    <a:pt x="5" y="56"/>
+                  </a:cubicBezTo>
+                  <a:cubicBezTo>
+                    <a:pt x="9" y="73"/>
+                    <a:pt x="13" y="90"/>
+                    <a:pt x="17" y="107"/>
+                  </a:cubicBezTo>
+                  <a:cubicBezTo>
+                    <a:pt x="15" y="87"/>
+                    <a:pt x="13" y="66"/>
+                    <a:pt x="11" y="46"/>
+                  </a:cubicBezTo>
+                  <a:cubicBezTo>
+                    <a:pt x="10" y="45"/>
+                    <a:pt x="10" y="44"/>
+                    <a:pt x="10" y="43"/>
+                  </a:cubicBezTo>
+                  <a:cubicBezTo>
+                    <a:pt x="7" y="28"/>
+                    <a:pt x="3" y="14"/>
+                    <a:pt x="0" y="0"/>
+                  </a:cubicBezTo>
+                  <a:close/>
+                </a:path>
+              </a:pathLst>
+            </a:custGeom>
+            <a:solidFill>
+              <a:schemeClr val="tx2">
+                <a:alpha val="20000"/>
+              </a:schemeClr>
+            </a:solidFill>
+            <a:ln>
+              <a:noFill/>
+            </a:ln>
+          </p:spPr>
+        </p:sp>
+        <p:sp>
+          <p:nvSpPr>
+            <p:cNvPr id="37" name="Freeform 18">
+              <a:extLst>
+                <a:ext uri="{FF2B5EF4-FFF2-40B4-BE49-F238E27FC236}">
+                  <a16:creationId xmlns:a16="http://schemas.microsoft.com/office/drawing/2014/main" id="{C3B112A3-006E-4008-A778-DB5F6A09D510}"/>
+                </a:ext>
+                <a:ext uri="{C183D7F6-B498-43B3-948B-1728B52AA6E4}">
+                  <adec:decorative xmlns:adec="http://schemas.microsoft.com/office/drawing/2017/decorative" val="1"/>
+                </a:ext>
+              </a:extLst>
+            </p:cNvPr>
+            <p:cNvSpPr/>
+            <p:nvPr>
+              <p:extLst>
+                <p:ext uri="{386F3935-93C4-4BCD-93E2-E3B085C9AB24}">
+                  <p16:designElem xmlns:p16="http://schemas.microsoft.com/office/powerpoint/2015/main" val="1"/>
+                </p:ext>
+              </p:extLst>
+            </p:nvPr>
+          </p:nvSpPr>
+          <p:spPr bwMode="auto">
+            <a:xfrm>
+              <a:off x="3143251" y="4757738"/>
+              <a:ext cx="161925" cy="873125"/>
+            </a:xfrm>
+            <a:custGeom>
+              <a:avLst/>
+              <a:gdLst/>
+              <a:ahLst/>
+              <a:cxnLst/>
+              <a:rect l="0" t="0" r="r" b="b"/>
+              <a:pathLst>
+                <a:path w="41" h="222">
+                  <a:moveTo>
+                    <a:pt x="0" y="0"/>
+                  </a:moveTo>
+                  <a:cubicBezTo>
+                    <a:pt x="0" y="31"/>
+                    <a:pt x="2" y="62"/>
+                    <a:pt x="5" y="93"/>
+                  </a:cubicBezTo>
+                  <a:cubicBezTo>
+                    <a:pt x="8" y="117"/>
+                    <a:pt x="12" y="142"/>
+                    <a:pt x="17" y="166"/>
+                  </a:cubicBezTo>
+                  <a:cubicBezTo>
+                    <a:pt x="19" y="172"/>
+                    <a:pt x="22" y="178"/>
+                    <a:pt x="24" y="184"/>
+                  </a:cubicBezTo>
+                  <a:cubicBezTo>
+                    <a:pt x="30" y="197"/>
+                    <a:pt x="35" y="209"/>
+                    <a:pt x="41" y="222"/>
+                  </a:cubicBezTo>
+                  <a:cubicBezTo>
+                    <a:pt x="40" y="219"/>
+                    <a:pt x="39" y="215"/>
+                    <a:pt x="38" y="212"/>
+                  </a:cubicBezTo>
+                  <a:cubicBezTo>
+                    <a:pt x="26" y="172"/>
+                    <a:pt x="18" y="132"/>
+                    <a:pt x="13" y="92"/>
+                  </a:cubicBezTo>
+                  <a:cubicBezTo>
+                    <a:pt x="11" y="68"/>
+                    <a:pt x="9" y="45"/>
+                    <a:pt x="8" y="22"/>
+                  </a:cubicBezTo>
+                  <a:cubicBezTo>
+                    <a:pt x="8" y="21"/>
+                    <a:pt x="7" y="20"/>
+                    <a:pt x="7" y="18"/>
+                  </a:cubicBezTo>
+                  <a:cubicBezTo>
+                    <a:pt x="5" y="12"/>
+                    <a:pt x="2" y="6"/>
+                    <a:pt x="0" y="0"/>
+                  </a:cubicBezTo>
+                  <a:close/>
+                </a:path>
+              </a:pathLst>
+            </a:custGeom>
+            <a:solidFill>
+              <a:schemeClr val="tx2">
+                <a:alpha val="20000"/>
+              </a:schemeClr>
+            </a:solidFill>
+            <a:ln>
+              <a:noFill/>
+            </a:ln>
+          </p:spPr>
+        </p:sp>
+        <p:sp>
+          <p:nvSpPr>
+            <p:cNvPr id="38" name="Freeform 19">
+              <a:extLst>
+                <a:ext uri="{FF2B5EF4-FFF2-40B4-BE49-F238E27FC236}">
+                  <a16:creationId xmlns:a16="http://schemas.microsoft.com/office/drawing/2014/main" id="{E5E62767-5C25-4C49-9568-432433A3C5B7}"/>
+                </a:ext>
+                <a:ext uri="{C183D7F6-B498-43B3-948B-1728B52AA6E4}">
+                  <adec:decorative xmlns:adec="http://schemas.microsoft.com/office/drawing/2017/decorative" val="1"/>
+                </a:ext>
+              </a:extLst>
+            </p:cNvPr>
+            <p:cNvSpPr/>
+            <p:nvPr>
+              <p:extLst>
+                <p:ext uri="{386F3935-93C4-4BCD-93E2-E3B085C9AB24}">
+                  <p16:designElem xmlns:p16="http://schemas.microsoft.com/office/powerpoint/2015/main" val="1"/>
+                </p:ext>
+              </p:extLst>
+            </p:nvPr>
+          </p:nvSpPr>
+          <p:spPr bwMode="auto">
+            <a:xfrm>
+              <a:off x="3148013" y="1282700"/>
+              <a:ext cx="1768475" cy="3448050"/>
+            </a:xfrm>
+            <a:custGeom>
+              <a:avLst/>
+              <a:gdLst/>
+              <a:ahLst/>
+              <a:cxnLst/>
+              <a:rect l="0" t="0" r="r" b="b"/>
+              <a:pathLst>
+                <a:path w="450" h="878">
+                  <a:moveTo>
+                    <a:pt x="7" y="854"/>
+                  </a:moveTo>
+                  <a:cubicBezTo>
+                    <a:pt x="10" y="772"/>
+                    <a:pt x="26" y="691"/>
+                    <a:pt x="50" y="613"/>
+                  </a:cubicBezTo>
+                  <a:cubicBezTo>
+                    <a:pt x="75" y="535"/>
+                    <a:pt x="109" y="460"/>
+                    <a:pt x="149" y="388"/>
+                  </a:cubicBezTo>
+                  <a:cubicBezTo>
+                    <a:pt x="189" y="316"/>
+                    <a:pt x="235" y="248"/>
+                    <a:pt x="285" y="183"/>
+                  </a:cubicBezTo>
+                  <a:cubicBezTo>
+                    <a:pt x="310" y="151"/>
+                    <a:pt x="337" y="119"/>
+                    <a:pt x="364" y="89"/>
+                  </a:cubicBezTo>
+                  <a:cubicBezTo>
+                    <a:pt x="378" y="74"/>
+                    <a:pt x="392" y="58"/>
+                    <a:pt x="406" y="44"/>
+                  </a:cubicBezTo>
+                  <a:cubicBezTo>
+                    <a:pt x="421" y="29"/>
+                    <a:pt x="435" y="15"/>
+                    <a:pt x="450" y="1"/>
+                  </a:cubicBezTo>
+                  <a:cubicBezTo>
+                    <a:pt x="450" y="0"/>
+                    <a:pt x="450" y="0"/>
+                    <a:pt x="450" y="0"/>
+                  </a:cubicBezTo>
+                  <a:cubicBezTo>
+                    <a:pt x="434" y="14"/>
+                    <a:pt x="420" y="28"/>
+                    <a:pt x="405" y="43"/>
+                  </a:cubicBezTo>
+                  <a:cubicBezTo>
+                    <a:pt x="391" y="57"/>
+                    <a:pt x="377" y="72"/>
+                    <a:pt x="363" y="88"/>
+                  </a:cubicBezTo>
+                  <a:cubicBezTo>
+                    <a:pt x="335" y="118"/>
+                    <a:pt x="308" y="149"/>
+                    <a:pt x="283" y="181"/>
+                  </a:cubicBezTo>
+                  <a:cubicBezTo>
+                    <a:pt x="232" y="246"/>
+                    <a:pt x="185" y="314"/>
+                    <a:pt x="145" y="386"/>
+                  </a:cubicBezTo>
+                  <a:cubicBezTo>
+                    <a:pt x="104" y="457"/>
+                    <a:pt x="70" y="533"/>
+                    <a:pt x="45" y="611"/>
+                  </a:cubicBezTo>
+                  <a:cubicBezTo>
+                    <a:pt x="19" y="690"/>
+                    <a:pt x="3" y="771"/>
+                    <a:pt x="0" y="854"/>
+                  </a:cubicBezTo>
+                  <a:cubicBezTo>
+                    <a:pt x="0" y="856"/>
+                    <a:pt x="0" y="857"/>
+                    <a:pt x="0" y="859"/>
+                  </a:cubicBezTo>
+                  <a:cubicBezTo>
+                    <a:pt x="2" y="865"/>
+                    <a:pt x="4" y="872"/>
+                    <a:pt x="7" y="878"/>
+                  </a:cubicBezTo>
+                  <a:cubicBezTo>
+                    <a:pt x="7" y="870"/>
+                    <a:pt x="7" y="862"/>
+                    <a:pt x="7" y="854"/>
+                  </a:cubicBezTo>
+                  <a:close/>
+                </a:path>
+              </a:pathLst>
+            </a:custGeom>
+            <a:solidFill>
+              <a:schemeClr val="tx2">
+                <a:alpha val="20000"/>
+              </a:schemeClr>
+            </a:solidFill>
+            <a:ln>
+              <a:noFill/>
+            </a:ln>
+          </p:spPr>
+        </p:sp>
+        <p:sp>
+          <p:nvSpPr>
+            <p:cNvPr id="39" name="Freeform 20">
+              <a:extLst>
+                <a:ext uri="{FF2B5EF4-FFF2-40B4-BE49-F238E27FC236}">
+                  <a16:creationId xmlns:a16="http://schemas.microsoft.com/office/drawing/2014/main" id="{598EC006-77B1-42BA-B815-66CCB9B170E6}"/>
+                </a:ext>
+                <a:ext uri="{C183D7F6-B498-43B3-948B-1728B52AA6E4}">
+                  <adec:decorative xmlns:adec="http://schemas.microsoft.com/office/drawing/2017/decorative" val="1"/>
+                </a:ext>
+              </a:extLst>
+            </p:cNvPr>
+            <p:cNvSpPr/>
+            <p:nvPr>
+              <p:extLst>
+                <p:ext uri="{386F3935-93C4-4BCD-93E2-E3B085C9AB24}">
+                  <p16:designElem xmlns:p16="http://schemas.microsoft.com/office/powerpoint/2015/main" val="1"/>
+                </p:ext>
+              </p:extLst>
+            </p:nvPr>
+          </p:nvSpPr>
+          <p:spPr bwMode="auto">
+            <a:xfrm>
+              <a:off x="3273426" y="5653088"/>
+              <a:ext cx="138113" cy="287338"/>
+            </a:xfrm>
+            <a:custGeom>
+              <a:avLst/>
+              <a:gdLst/>
+              <a:ahLst/>
+              <a:cxnLst/>
+              <a:rect l="0" t="0" r="r" b="b"/>
+              <a:pathLst>
+                <a:path w="35" h="73">
+                  <a:moveTo>
+                    <a:pt x="0" y="0"/>
+                  </a:moveTo>
+                  <a:cubicBezTo>
+                    <a:pt x="7" y="24"/>
+                    <a:pt x="16" y="49"/>
+                    <a:pt x="26" y="73"/>
+                  </a:cubicBezTo>
+                  <a:cubicBezTo>
+                    <a:pt x="35" y="73"/>
+                    <a:pt x="35" y="73"/>
+                    <a:pt x="35" y="73"/>
+                  </a:cubicBezTo>
+                  <a:cubicBezTo>
+                    <a:pt x="23" y="49"/>
+                    <a:pt x="11" y="24"/>
+                    <a:pt x="0" y="0"/>
+                  </a:cubicBezTo>
+                  <a:close/>
+                </a:path>
+              </a:pathLst>
+            </a:custGeom>
+            <a:solidFill>
+              <a:schemeClr val="tx2">
+                <a:alpha val="20000"/>
+              </a:schemeClr>
+            </a:solidFill>
+            <a:ln>
+              <a:noFill/>
+            </a:ln>
+          </p:spPr>
+        </p:sp>
+        <p:sp>
+          <p:nvSpPr>
+            <p:cNvPr id="40" name="Freeform 21">
+              <a:extLst>
+                <a:ext uri="{FF2B5EF4-FFF2-40B4-BE49-F238E27FC236}">
+                  <a16:creationId xmlns:a16="http://schemas.microsoft.com/office/drawing/2014/main" id="{A144ED09-DA06-491D-95A8-AB3DED432959}"/>
+                </a:ext>
+                <a:ext uri="{C183D7F6-B498-43B3-948B-1728B52AA6E4}">
+                  <adec:decorative xmlns:adec="http://schemas.microsoft.com/office/drawing/2017/decorative" val="1"/>
+                </a:ext>
+              </a:extLst>
+            </p:cNvPr>
+            <p:cNvSpPr/>
+            <p:nvPr>
+              <p:extLst>
+                <p:ext uri="{386F3935-93C4-4BCD-93E2-E3B085C9AB24}">
+                  <p16:designElem xmlns:p16="http://schemas.microsoft.com/office/powerpoint/2015/main" val="1"/>
+                </p:ext>
+              </p:extLst>
+            </p:nvPr>
+          </p:nvSpPr>
+          <p:spPr bwMode="auto">
+            <a:xfrm>
+              <a:off x="3143251" y="4656138"/>
+              <a:ext cx="31750" cy="188913"/>
+            </a:xfrm>
+            <a:custGeom>
+              <a:avLst/>
+              <a:gdLst/>
+              <a:ahLst/>
+              <a:cxnLst/>
+              <a:rect l="0" t="0" r="r" b="b"/>
+              <a:pathLst>
+                <a:path w="8" h="48">
+                  <a:moveTo>
+                    <a:pt x="7" y="44"/>
+                  </a:moveTo>
+                  <a:cubicBezTo>
+                    <a:pt x="7" y="46"/>
+                    <a:pt x="8" y="47"/>
+                    <a:pt x="8" y="48"/>
+                  </a:cubicBezTo>
+                  <a:cubicBezTo>
+                    <a:pt x="8" y="38"/>
+                    <a:pt x="8" y="29"/>
+                    <a:pt x="8" y="19"/>
+                  </a:cubicBezTo>
+                  <a:cubicBezTo>
+                    <a:pt x="5" y="13"/>
+                    <a:pt x="3" y="6"/>
+                    <a:pt x="1" y="0"/>
+                  </a:cubicBezTo>
+                  <a:cubicBezTo>
+                    <a:pt x="0" y="9"/>
+                    <a:pt x="0" y="17"/>
+                    <a:pt x="0" y="26"/>
+                  </a:cubicBezTo>
+                  <a:cubicBezTo>
+                    <a:pt x="2" y="32"/>
+                    <a:pt x="5" y="38"/>
+                    <a:pt x="7" y="44"/>
+                  </a:cubicBezTo>
+                  <a:close/>
+                </a:path>
+              </a:pathLst>
+            </a:custGeom>
+            <a:solidFill>
+              <a:schemeClr val="tx2">
+                <a:alpha val="20000"/>
+              </a:schemeClr>
+            </a:solidFill>
+            <a:ln>
+              <a:noFill/>
+            </a:ln>
+          </p:spPr>
+        </p:sp>
+        <p:sp>
+          <p:nvSpPr>
+            <p:cNvPr id="41" name="Freeform 22">
+              <a:extLst>
+                <a:ext uri="{FF2B5EF4-FFF2-40B4-BE49-F238E27FC236}">
+                  <a16:creationId xmlns:a16="http://schemas.microsoft.com/office/drawing/2014/main" id="{1CB00BD2-11CD-4A38-8F38-02B0D1105EFB}"/>
+                </a:ext>
+                <a:ext uri="{C183D7F6-B498-43B3-948B-1728B52AA6E4}">
+                  <adec:decorative xmlns:adec="http://schemas.microsoft.com/office/drawing/2017/decorative" val="1"/>
+                </a:ext>
+              </a:extLst>
+            </p:cNvPr>
+            <p:cNvSpPr/>
+            <p:nvPr>
+              <p:extLst>
+                <p:ext uri="{386F3935-93C4-4BCD-93E2-E3B085C9AB24}">
+                  <p16:designElem xmlns:p16="http://schemas.microsoft.com/office/powerpoint/2015/main" val="1"/>
+                </p:ext>
+              </p:extLst>
+            </p:nvPr>
+          </p:nvSpPr>
+          <p:spPr bwMode="auto">
+            <a:xfrm>
+              <a:off x="3211513" y="5410200"/>
+              <a:ext cx="203200" cy="530225"/>
+            </a:xfrm>
+            <a:custGeom>
+              <a:avLst/>
+              <a:gdLst/>
+              <a:ahLst/>
+              <a:cxnLst/>
+              <a:rect l="0" t="0" r="r" b="b"/>
+              <a:pathLst>
+                <a:path w="52" h="135">
+                  <a:moveTo>
+                    <a:pt x="7" y="18"/>
+                  </a:moveTo>
+                  <a:cubicBezTo>
+                    <a:pt x="5" y="12"/>
+                    <a:pt x="2" y="6"/>
+                    <a:pt x="0" y="0"/>
+                  </a:cubicBezTo>
+                  <a:cubicBezTo>
+                    <a:pt x="3" y="16"/>
+                    <a:pt x="7" y="32"/>
+                    <a:pt x="12" y="48"/>
+                  </a:cubicBezTo>
+                  <a:cubicBezTo>
+                    <a:pt x="13" y="53"/>
+                    <a:pt x="14" y="57"/>
+                    <a:pt x="16" y="62"/>
+                  </a:cubicBezTo>
+                  <a:cubicBezTo>
+                    <a:pt x="27" y="86"/>
+                    <a:pt x="39" y="111"/>
+                    <a:pt x="51" y="135"/>
+                  </a:cubicBezTo>
+                  <a:cubicBezTo>
+                    <a:pt x="52" y="135"/>
+                    <a:pt x="52" y="135"/>
+                    <a:pt x="52" y="135"/>
+                  </a:cubicBezTo>
+                  <a:cubicBezTo>
+                    <a:pt x="41" y="109"/>
+                    <a:pt x="32" y="83"/>
+                    <a:pt x="24" y="56"/>
+                  </a:cubicBezTo>
+                  <a:cubicBezTo>
+                    <a:pt x="18" y="43"/>
+                    <a:pt x="13" y="31"/>
+                    <a:pt x="7" y="18"/>
+                  </a:cubicBezTo>
+                  <a:close/>
+                </a:path>
+              </a:pathLst>
+            </a:custGeom>
+            <a:solidFill>
+              <a:schemeClr val="tx2">
+                <a:alpha val="20000"/>
+              </a:schemeClr>
+            </a:solidFill>
+            <a:ln>
+              <a:noFill/>
+            </a:ln>
+          </p:spPr>
+        </p:sp>
+      </p:grpSp>
+      <p:grpSp>
+        <p:nvGrpSpPr>
+          <p:cNvPr id="43" name="Group 42">
+            <a:extLst>
+              <a:ext uri="{FF2B5EF4-FFF2-40B4-BE49-F238E27FC236}">
+                <a16:creationId xmlns:a16="http://schemas.microsoft.com/office/drawing/2014/main" id="{520234FB-542E-4550-9C2F-1B56FD41A1CA}"/>
+              </a:ext>
+              <a:ext uri="{C183D7F6-B498-43B3-948B-1728B52AA6E4}">
+                <adec:decorative xmlns:adec="http://schemas.microsoft.com/office/drawing/2017/decorative" val="1"/>
+              </a:ext>
+            </a:extLst>
+          </p:cNvPr>
+          <p:cNvGrpSpPr>
+            <a:grpSpLocks noGrp="1" noUngrp="1" noRot="1" noChangeAspect="1" noMove="1" noResize="1"/>
+          </p:cNvGrpSpPr>
+          <p:nvPr>
+            <p:extLst>
+              <p:ext uri="{386F3935-93C4-4BCD-93E2-E3B085C9AB24}">
+                <p16:designElem xmlns:p16="http://schemas.microsoft.com/office/powerpoint/2015/main" val="1"/>
+              </p:ext>
+            </p:extLst>
+          </p:nvPr>
+        </p:nvGrpSpPr>
+        <p:grpSpPr>
+          <a:xfrm>
+            <a:off x="27224" y="-786"/>
+            <a:ext cx="2356675" cy="6854040"/>
+            <a:chOff x="6627813" y="194833"/>
+            <a:chExt cx="1952625" cy="5678918"/>
+          </a:xfrm>
+        </p:grpSpPr>
+        <p:sp>
+          <p:nvSpPr>
+            <p:cNvPr id="44" name="Freeform 27">
+              <a:extLst>
+                <a:ext uri="{FF2B5EF4-FFF2-40B4-BE49-F238E27FC236}">
+                  <a16:creationId xmlns:a16="http://schemas.microsoft.com/office/drawing/2014/main" id="{41FCE1F3-DEB3-47CD-90FF-7DABB4AF4540}"/>
+                </a:ext>
+                <a:ext uri="{C183D7F6-B498-43B3-948B-1728B52AA6E4}">
+                  <adec:decorative xmlns:adec="http://schemas.microsoft.com/office/drawing/2017/decorative" val="1"/>
+                </a:ext>
+              </a:extLst>
+            </p:cNvPr>
+            <p:cNvSpPr/>
+            <p:nvPr>
+              <p:extLst>
+                <p:ext uri="{386F3935-93C4-4BCD-93E2-E3B085C9AB24}">
+                  <p16:designElem xmlns:p16="http://schemas.microsoft.com/office/powerpoint/2015/main" val="1"/>
+                </p:ext>
+              </p:extLst>
+            </p:nvPr>
+          </p:nvSpPr>
+          <p:spPr bwMode="auto">
+            <a:xfrm>
+              <a:off x="6627813" y="194833"/>
+              <a:ext cx="409575" cy="3646488"/>
+            </a:xfrm>
+            <a:custGeom>
+              <a:avLst/>
+              <a:gdLst/>
+              <a:ahLst/>
+              <a:cxnLst/>
+              <a:rect l="0" t="0" r="r" b="b"/>
+              <a:pathLst>
+                <a:path w="103" h="920">
+                  <a:moveTo>
+                    <a:pt x="7" y="210"/>
+                  </a:moveTo>
+                  <a:cubicBezTo>
+                    <a:pt x="11" y="288"/>
+                    <a:pt x="17" y="367"/>
+                    <a:pt x="26" y="445"/>
+                  </a:cubicBezTo>
+                  <a:cubicBezTo>
+                    <a:pt x="34" y="523"/>
+                    <a:pt x="44" y="601"/>
+                    <a:pt x="57" y="679"/>
+                  </a:cubicBezTo>
+                  <a:cubicBezTo>
+                    <a:pt x="69" y="757"/>
+                    <a:pt x="84" y="834"/>
+                    <a:pt x="101" y="911"/>
+                  </a:cubicBezTo>
+                  <a:cubicBezTo>
+                    <a:pt x="102" y="914"/>
+                    <a:pt x="103" y="917"/>
+                    <a:pt x="103" y="920"/>
+                  </a:cubicBezTo>
+                  <a:cubicBezTo>
+                    <a:pt x="102" y="905"/>
+                    <a:pt x="100" y="889"/>
+                    <a:pt x="99" y="874"/>
+                  </a:cubicBezTo>
+                  <a:cubicBezTo>
+                    <a:pt x="99" y="871"/>
+                    <a:pt x="99" y="868"/>
+                    <a:pt x="99" y="866"/>
+                  </a:cubicBezTo>
+                  <a:cubicBezTo>
+                    <a:pt x="85" y="803"/>
+                    <a:pt x="73" y="741"/>
+                    <a:pt x="63" y="678"/>
+                  </a:cubicBezTo>
+                  <a:cubicBezTo>
+                    <a:pt x="50" y="600"/>
+                    <a:pt x="39" y="523"/>
+                    <a:pt x="30" y="444"/>
+                  </a:cubicBezTo>
+                  <a:cubicBezTo>
+                    <a:pt x="21" y="366"/>
+                    <a:pt x="14" y="288"/>
+                    <a:pt x="9" y="209"/>
+                  </a:cubicBezTo>
+                  <a:cubicBezTo>
+                    <a:pt x="7" y="170"/>
+                    <a:pt x="5" y="131"/>
+                    <a:pt x="3" y="92"/>
+                  </a:cubicBezTo>
+                  <a:cubicBezTo>
+                    <a:pt x="2" y="61"/>
+                    <a:pt x="1" y="31"/>
+                    <a:pt x="1" y="0"/>
+                  </a:cubicBezTo>
+                  <a:cubicBezTo>
+                    <a:pt x="0" y="0"/>
+                    <a:pt x="0" y="0"/>
+                    <a:pt x="0" y="0"/>
+                  </a:cubicBezTo>
+                  <a:cubicBezTo>
+                    <a:pt x="0" y="31"/>
+                    <a:pt x="1" y="61"/>
+                    <a:pt x="1" y="92"/>
+                  </a:cubicBezTo>
+                  <a:cubicBezTo>
+                    <a:pt x="3" y="131"/>
+                    <a:pt x="4" y="170"/>
+                    <a:pt x="7" y="210"/>
+                  </a:cubicBezTo>
+                  <a:close/>
+                </a:path>
+              </a:pathLst>
+            </a:custGeom>
+            <a:solidFill>
+              <a:schemeClr val="tx2"/>
+            </a:solidFill>
+            <a:ln>
+              <a:noFill/>
+            </a:ln>
+          </p:spPr>
+        </p:sp>
+        <p:sp>
+          <p:nvSpPr>
+            <p:cNvPr id="45" name="Freeform 28">
+              <a:extLst>
+                <a:ext uri="{FF2B5EF4-FFF2-40B4-BE49-F238E27FC236}">
+                  <a16:creationId xmlns:a16="http://schemas.microsoft.com/office/drawing/2014/main" id="{5708E488-C19B-452C-B197-6F1C34F6E735}"/>
+                </a:ext>
+                <a:ext uri="{C183D7F6-B498-43B3-948B-1728B52AA6E4}">
+                  <adec:decorative xmlns:adec="http://schemas.microsoft.com/office/drawing/2017/decorative" val="1"/>
+                </a:ext>
+              </a:extLst>
+            </p:cNvPr>
+            <p:cNvSpPr/>
+            <p:nvPr>
+              <p:extLst>
+                <p:ext uri="{386F3935-93C4-4BCD-93E2-E3B085C9AB24}">
+                  <p16:designElem xmlns:p16="http://schemas.microsoft.com/office/powerpoint/2015/main" val="1"/>
+                </p:ext>
+              </p:extLst>
+            </p:nvPr>
+          </p:nvSpPr>
+          <p:spPr bwMode="auto">
+            <a:xfrm>
+              <a:off x="7061201" y="3771900"/>
+              <a:ext cx="350838" cy="1309688"/>
+            </a:xfrm>
+            <a:custGeom>
+              <a:avLst/>
+              <a:gdLst/>
+              <a:ahLst/>
+              <a:cxnLst/>
+              <a:rect l="0" t="0" r="r" b="b"/>
+              <a:pathLst>
+                <a:path w="88" h="330">
+                  <a:moveTo>
+                    <a:pt x="53" y="229"/>
+                  </a:moveTo>
+                  <a:cubicBezTo>
+                    <a:pt x="64" y="263"/>
+                    <a:pt x="75" y="297"/>
+                    <a:pt x="88" y="330"/>
+                  </a:cubicBezTo>
+                  <a:cubicBezTo>
+                    <a:pt x="88" y="323"/>
+                    <a:pt x="88" y="315"/>
+                    <a:pt x="88" y="308"/>
+                  </a:cubicBezTo>
+                  <a:cubicBezTo>
+                    <a:pt x="88" y="307"/>
+                    <a:pt x="88" y="305"/>
+                    <a:pt x="88" y="304"/>
+                  </a:cubicBezTo>
+                  <a:cubicBezTo>
+                    <a:pt x="79" y="278"/>
+                    <a:pt x="70" y="252"/>
+                    <a:pt x="62" y="226"/>
+                  </a:cubicBezTo>
+                  <a:cubicBezTo>
+                    <a:pt x="38" y="152"/>
+                    <a:pt x="17" y="76"/>
+                    <a:pt x="0" y="0"/>
+                  </a:cubicBezTo>
+                  <a:cubicBezTo>
+                    <a:pt x="2" y="21"/>
+                    <a:pt x="4" y="42"/>
+                    <a:pt x="7" y="63"/>
+                  </a:cubicBezTo>
+                  <a:cubicBezTo>
+                    <a:pt x="21" y="119"/>
+                    <a:pt x="36" y="174"/>
+                    <a:pt x="53" y="229"/>
+                  </a:cubicBezTo>
+                  <a:close/>
+                </a:path>
+              </a:pathLst>
+            </a:custGeom>
+            <a:solidFill>
+              <a:schemeClr val="tx2"/>
+            </a:solidFill>
+            <a:ln>
+              <a:noFill/>
+            </a:ln>
+          </p:spPr>
+        </p:sp>
+        <p:sp>
+          <p:nvSpPr>
+            <p:cNvPr id="46" name="Freeform 29">
+              <a:extLst>
+                <a:ext uri="{FF2B5EF4-FFF2-40B4-BE49-F238E27FC236}">
+                  <a16:creationId xmlns:a16="http://schemas.microsoft.com/office/drawing/2014/main" id="{89D3FD25-890E-4981-A71D-EE796873D744}"/>
+                </a:ext>
+                <a:ext uri="{C183D7F6-B498-43B3-948B-1728B52AA6E4}">
+                  <adec:decorative xmlns:adec="http://schemas.microsoft.com/office/drawing/2017/decorative" val="1"/>
+                </a:ext>
+              </a:extLst>
+            </p:cNvPr>
+            <p:cNvSpPr/>
+            <p:nvPr>
+              <p:extLst>
+                <p:ext uri="{386F3935-93C4-4BCD-93E2-E3B085C9AB24}">
+                  <p16:designElem xmlns:p16="http://schemas.microsoft.com/office/powerpoint/2015/main" val="1"/>
+                </p:ext>
+              </p:extLst>
+            </p:nvPr>
+          </p:nvSpPr>
+          <p:spPr bwMode="auto">
+            <a:xfrm>
+              <a:off x="7439026" y="5053013"/>
+              <a:ext cx="357188" cy="820738"/>
+            </a:xfrm>
+            <a:custGeom>
+              <a:avLst/>
+              <a:gdLst/>
+              <a:ahLst/>
+              <a:cxnLst/>
+              <a:rect l="0" t="0" r="r" b="b"/>
+              <a:pathLst>
+                <a:path w="90" h="207">
+                  <a:moveTo>
+                    <a:pt x="6" y="15"/>
+                  </a:moveTo>
+                  <a:cubicBezTo>
+                    <a:pt x="4" y="10"/>
+                    <a:pt x="2" y="5"/>
+                    <a:pt x="0" y="0"/>
+                  </a:cubicBezTo>
+                  <a:cubicBezTo>
+                    <a:pt x="0" y="9"/>
+                    <a:pt x="0" y="19"/>
+                    <a:pt x="1" y="29"/>
+                  </a:cubicBezTo>
+                  <a:cubicBezTo>
+                    <a:pt x="14" y="62"/>
+                    <a:pt x="27" y="95"/>
+                    <a:pt x="42" y="127"/>
+                  </a:cubicBezTo>
+                  <a:cubicBezTo>
+                    <a:pt x="54" y="154"/>
+                    <a:pt x="67" y="181"/>
+                    <a:pt x="80" y="207"/>
+                  </a:cubicBezTo>
+                  <a:cubicBezTo>
+                    <a:pt x="90" y="207"/>
+                    <a:pt x="90" y="207"/>
+                    <a:pt x="90" y="207"/>
+                  </a:cubicBezTo>
+                  <a:cubicBezTo>
+                    <a:pt x="76" y="180"/>
+                    <a:pt x="63" y="152"/>
+                    <a:pt x="50" y="123"/>
+                  </a:cubicBezTo>
+                  <a:cubicBezTo>
+                    <a:pt x="34" y="88"/>
+                    <a:pt x="20" y="51"/>
+                    <a:pt x="6" y="15"/>
+                  </a:cubicBezTo>
+                  <a:close/>
+                </a:path>
+              </a:pathLst>
+            </a:custGeom>
+            <a:solidFill>
+              <a:schemeClr val="tx2"/>
+            </a:solidFill>
+            <a:ln>
+              <a:noFill/>
+            </a:ln>
+          </p:spPr>
+        </p:sp>
+        <p:sp>
+          <p:nvSpPr>
+            <p:cNvPr id="47" name="Freeform 30">
+              <a:extLst>
+                <a:ext uri="{FF2B5EF4-FFF2-40B4-BE49-F238E27FC236}">
+                  <a16:creationId xmlns:a16="http://schemas.microsoft.com/office/drawing/2014/main" id="{51B5414C-556A-47CB-8EE2-974A85A7A4D2}"/>
+                </a:ext>
+                <a:ext uri="{C183D7F6-B498-43B3-948B-1728B52AA6E4}">
+                  <adec:decorative xmlns:adec="http://schemas.microsoft.com/office/drawing/2017/decorative" val="1"/>
+                </a:ext>
+              </a:extLst>
+            </p:cNvPr>
+            <p:cNvSpPr/>
+            <p:nvPr>
+              <p:extLst>
+                <p:ext uri="{386F3935-93C4-4BCD-93E2-E3B085C9AB24}">
+                  <p16:designElem xmlns:p16="http://schemas.microsoft.com/office/powerpoint/2015/main" val="1"/>
+                </p:ext>
+              </p:extLst>
+            </p:nvPr>
+          </p:nvSpPr>
+          <p:spPr bwMode="auto">
+            <a:xfrm>
+              <a:off x="7037388" y="3811588"/>
+              <a:ext cx="457200" cy="1852613"/>
+            </a:xfrm>
+            <a:custGeom>
+              <a:avLst/>
+              <a:gdLst/>
+              <a:ahLst/>
+              <a:cxnLst/>
+              <a:rect l="0" t="0" r="r" b="b"/>
+              <a:pathLst>
+                <a:path w="115" h="467">
+                  <a:moveTo>
+                    <a:pt x="101" y="409"/>
+                  </a:moveTo>
+                  <a:cubicBezTo>
+                    <a:pt x="93" y="388"/>
+                    <a:pt x="85" y="366"/>
+                    <a:pt x="78" y="344"/>
+                  </a:cubicBezTo>
+                  <a:cubicBezTo>
+                    <a:pt x="57" y="281"/>
+                    <a:pt x="41" y="216"/>
+                    <a:pt x="29" y="151"/>
+                  </a:cubicBezTo>
+                  <a:cubicBezTo>
+                    <a:pt x="22" y="119"/>
+                    <a:pt x="17" y="86"/>
+                    <a:pt x="13" y="53"/>
+                  </a:cubicBezTo>
+                  <a:cubicBezTo>
+                    <a:pt x="9" y="35"/>
+                    <a:pt x="4" y="18"/>
+                    <a:pt x="0" y="0"/>
+                  </a:cubicBezTo>
+                  <a:cubicBezTo>
+                    <a:pt x="5" y="51"/>
+                    <a:pt x="12" y="102"/>
+                    <a:pt x="21" y="152"/>
+                  </a:cubicBezTo>
+                  <a:cubicBezTo>
+                    <a:pt x="33" y="218"/>
+                    <a:pt x="49" y="283"/>
+                    <a:pt x="69" y="347"/>
+                  </a:cubicBezTo>
+                  <a:cubicBezTo>
+                    <a:pt x="79" y="378"/>
+                    <a:pt x="90" y="410"/>
+                    <a:pt x="103" y="441"/>
+                  </a:cubicBezTo>
+                  <a:cubicBezTo>
+                    <a:pt x="107" y="449"/>
+                    <a:pt x="111" y="458"/>
+                    <a:pt x="115" y="467"/>
+                  </a:cubicBezTo>
+                  <a:cubicBezTo>
+                    <a:pt x="114" y="464"/>
+                    <a:pt x="113" y="461"/>
+                    <a:pt x="112" y="458"/>
+                  </a:cubicBezTo>
+                  <a:cubicBezTo>
+                    <a:pt x="108" y="442"/>
+                    <a:pt x="104" y="425"/>
+                    <a:pt x="101" y="409"/>
+                  </a:cubicBezTo>
+                  <a:close/>
+                </a:path>
+              </a:pathLst>
+            </a:custGeom>
+            <a:solidFill>
+              <a:schemeClr val="tx2"/>
+            </a:solidFill>
+            <a:ln>
+              <a:noFill/>
+            </a:ln>
+          </p:spPr>
+        </p:sp>
+        <p:sp>
+          <p:nvSpPr>
+            <p:cNvPr id="48" name="Freeform 31">
+              <a:extLst>
+                <a:ext uri="{FF2B5EF4-FFF2-40B4-BE49-F238E27FC236}">
+                  <a16:creationId xmlns:a16="http://schemas.microsoft.com/office/drawing/2014/main" id="{1C02B20C-2B27-4B75-8AEE-A5D2E2674B81}"/>
+                </a:ext>
+                <a:ext uri="{C183D7F6-B498-43B3-948B-1728B52AA6E4}">
+                  <adec:decorative xmlns:adec="http://schemas.microsoft.com/office/drawing/2017/decorative" val="1"/>
+                </a:ext>
+              </a:extLst>
+            </p:cNvPr>
+            <p:cNvSpPr/>
+            <p:nvPr>
+              <p:extLst>
+                <p:ext uri="{386F3935-93C4-4BCD-93E2-E3B085C9AB24}">
+                  <p16:designElem xmlns:p16="http://schemas.microsoft.com/office/powerpoint/2015/main" val="1"/>
+                </p:ext>
+              </p:extLst>
+            </p:nvPr>
+          </p:nvSpPr>
+          <p:spPr bwMode="auto">
+            <a:xfrm>
+              <a:off x="6992938" y="1263650"/>
+              <a:ext cx="144463" cy="2508250"/>
+            </a:xfrm>
+            <a:custGeom>
+              <a:avLst/>
+              <a:gdLst/>
+              <a:ahLst/>
+              <a:cxnLst/>
+              <a:rect l="0" t="0" r="r" b="b"/>
+              <a:pathLst>
+                <a:path w="36" h="633">
+                  <a:moveTo>
+                    <a:pt x="17" y="633"/>
+                  </a:moveTo>
+                  <a:cubicBezTo>
+                    <a:pt x="15" y="621"/>
+                    <a:pt x="14" y="609"/>
+                    <a:pt x="13" y="597"/>
+                  </a:cubicBezTo>
+                  <a:cubicBezTo>
+                    <a:pt x="8" y="530"/>
+                    <a:pt x="5" y="464"/>
+                    <a:pt x="5" y="398"/>
+                  </a:cubicBezTo>
+                  <a:cubicBezTo>
+                    <a:pt x="5" y="331"/>
+                    <a:pt x="8" y="265"/>
+                    <a:pt x="13" y="198"/>
+                  </a:cubicBezTo>
+                  <a:cubicBezTo>
+                    <a:pt x="15" y="165"/>
+                    <a:pt x="18" y="132"/>
+                    <a:pt x="22" y="99"/>
+                  </a:cubicBezTo>
+                  <a:cubicBezTo>
+                    <a:pt x="26" y="66"/>
+                    <a:pt x="30" y="33"/>
+                    <a:pt x="36" y="0"/>
+                  </a:cubicBezTo>
+                  <a:cubicBezTo>
+                    <a:pt x="35" y="0"/>
+                    <a:pt x="35" y="0"/>
+                    <a:pt x="35" y="0"/>
+                  </a:cubicBezTo>
+                  <a:cubicBezTo>
+                    <a:pt x="29" y="33"/>
+                    <a:pt x="24" y="66"/>
+                    <a:pt x="20" y="99"/>
+                  </a:cubicBezTo>
+                  <a:cubicBezTo>
+                    <a:pt x="16" y="132"/>
+                    <a:pt x="13" y="165"/>
+                    <a:pt x="10" y="198"/>
+                  </a:cubicBezTo>
+                  <a:cubicBezTo>
+                    <a:pt x="4" y="264"/>
+                    <a:pt x="1" y="331"/>
+                    <a:pt x="1" y="398"/>
+                  </a:cubicBezTo>
+                  <a:cubicBezTo>
+                    <a:pt x="0" y="461"/>
+                    <a:pt x="2" y="525"/>
+                    <a:pt x="7" y="589"/>
+                  </a:cubicBezTo>
+                  <a:cubicBezTo>
+                    <a:pt x="10" y="603"/>
+                    <a:pt x="13" y="618"/>
+                    <a:pt x="16" y="632"/>
+                  </a:cubicBezTo>
+                  <a:cubicBezTo>
+                    <a:pt x="16" y="632"/>
+                    <a:pt x="17" y="633"/>
+                    <a:pt x="17" y="633"/>
+                  </a:cubicBezTo>
+                  <a:close/>
+                </a:path>
+              </a:pathLst>
+            </a:custGeom>
+            <a:solidFill>
+              <a:schemeClr val="tx2"/>
+            </a:solidFill>
+            <a:ln>
+              <a:noFill/>
+            </a:ln>
+          </p:spPr>
+        </p:sp>
+        <p:sp>
+          <p:nvSpPr>
+            <p:cNvPr id="49" name="Freeform 32">
+              <a:extLst>
+                <a:ext uri="{FF2B5EF4-FFF2-40B4-BE49-F238E27FC236}">
+                  <a16:creationId xmlns:a16="http://schemas.microsoft.com/office/drawing/2014/main" id="{54427714-F9AA-4F93-BD1D-400F1EA93FCA}"/>
+                </a:ext>
+                <a:ext uri="{C183D7F6-B498-43B3-948B-1728B52AA6E4}">
+                  <adec:decorative xmlns:adec="http://schemas.microsoft.com/office/drawing/2017/decorative" val="1"/>
+                </a:ext>
+              </a:extLst>
+            </p:cNvPr>
+            <p:cNvSpPr/>
+            <p:nvPr>
+              <p:extLst>
+                <p:ext uri="{386F3935-93C4-4BCD-93E2-E3B085C9AB24}">
+                  <p16:designElem xmlns:p16="http://schemas.microsoft.com/office/powerpoint/2015/main" val="1"/>
+                </p:ext>
+              </p:extLst>
+            </p:nvPr>
+          </p:nvSpPr>
+          <p:spPr bwMode="auto">
+            <a:xfrm>
+              <a:off x="7526338" y="5640388"/>
+              <a:ext cx="111125" cy="233363"/>
+            </a:xfrm>
+            <a:custGeom>
+              <a:avLst/>
+              <a:gdLst/>
+              <a:ahLst/>
+              <a:cxnLst/>
+              <a:rect l="0" t="0" r="r" b="b"/>
+              <a:pathLst>
+                <a:path w="28" h="59">
+                  <a:moveTo>
+                    <a:pt x="22" y="59"/>
+                  </a:moveTo>
+                  <a:cubicBezTo>
+                    <a:pt x="28" y="59"/>
+                    <a:pt x="28" y="59"/>
+                    <a:pt x="28" y="59"/>
+                  </a:cubicBezTo>
+                  <a:cubicBezTo>
+                    <a:pt x="18" y="40"/>
+                    <a:pt x="9" y="20"/>
+                    <a:pt x="0" y="0"/>
+                  </a:cubicBezTo>
+                  <a:cubicBezTo>
+                    <a:pt x="6" y="20"/>
+                    <a:pt x="13" y="40"/>
+                    <a:pt x="22" y="59"/>
+                  </a:cubicBezTo>
+                  <a:close/>
+                </a:path>
+              </a:pathLst>
+            </a:custGeom>
+            <a:solidFill>
+              <a:schemeClr val="tx2"/>
+            </a:solidFill>
+            <a:ln>
+              <a:noFill/>
+            </a:ln>
+          </p:spPr>
+        </p:sp>
+        <p:sp>
+          <p:nvSpPr>
+            <p:cNvPr id="50" name="Freeform 33">
+              <a:extLst>
+                <a:ext uri="{FF2B5EF4-FFF2-40B4-BE49-F238E27FC236}">
+                  <a16:creationId xmlns:a16="http://schemas.microsoft.com/office/drawing/2014/main" id="{28A77D6A-9E81-497F-ABCC-2695BB5ADDEC}"/>
+                </a:ext>
+                <a:ext uri="{C183D7F6-B498-43B3-948B-1728B52AA6E4}">
+                  <adec:decorative xmlns:adec="http://schemas.microsoft.com/office/drawing/2017/decorative" val="1"/>
+                </a:ext>
+              </a:extLst>
+            </p:cNvPr>
+            <p:cNvSpPr/>
+            <p:nvPr>
+              <p:extLst>
+                <p:ext uri="{386F3935-93C4-4BCD-93E2-E3B085C9AB24}">
+                  <p16:designElem xmlns:p16="http://schemas.microsoft.com/office/powerpoint/2015/main" val="1"/>
+                </p:ext>
+              </p:extLst>
+            </p:nvPr>
+          </p:nvSpPr>
+          <p:spPr bwMode="auto">
+            <a:xfrm>
+              <a:off x="7021513" y="3598863"/>
+              <a:ext cx="68263" cy="423863"/>
+            </a:xfrm>
+            <a:custGeom>
+              <a:avLst/>
+              <a:gdLst/>
+              <a:ahLst/>
+              <a:cxnLst/>
+              <a:rect l="0" t="0" r="r" b="b"/>
+              <a:pathLst>
+                <a:path w="17" h="107">
+                  <a:moveTo>
+                    <a:pt x="4" y="54"/>
+                  </a:moveTo>
+                  <a:cubicBezTo>
+                    <a:pt x="8" y="72"/>
+                    <a:pt x="13" y="89"/>
+                    <a:pt x="17" y="107"/>
+                  </a:cubicBezTo>
+                  <a:cubicBezTo>
+                    <a:pt x="14" y="86"/>
+                    <a:pt x="12" y="65"/>
+                    <a:pt x="10" y="44"/>
+                  </a:cubicBezTo>
+                  <a:cubicBezTo>
+                    <a:pt x="10" y="44"/>
+                    <a:pt x="9" y="43"/>
+                    <a:pt x="9" y="43"/>
+                  </a:cubicBezTo>
+                  <a:cubicBezTo>
+                    <a:pt x="6" y="29"/>
+                    <a:pt x="3" y="14"/>
+                    <a:pt x="0" y="0"/>
+                  </a:cubicBezTo>
+                  <a:cubicBezTo>
+                    <a:pt x="0" y="2"/>
+                    <a:pt x="0" y="5"/>
+                    <a:pt x="0" y="8"/>
+                  </a:cubicBezTo>
+                  <a:cubicBezTo>
+                    <a:pt x="1" y="23"/>
+                    <a:pt x="3" y="39"/>
+                    <a:pt x="4" y="54"/>
+                  </a:cubicBezTo>
+                  <a:close/>
+                </a:path>
+              </a:pathLst>
+            </a:custGeom>
+            <a:solidFill>
+              <a:schemeClr val="tx2"/>
+            </a:solidFill>
+            <a:ln>
+              <a:noFill/>
+            </a:ln>
+          </p:spPr>
+        </p:sp>
+        <p:sp>
+          <p:nvSpPr>
+            <p:cNvPr id="51" name="Freeform 34">
+              <a:extLst>
+                <a:ext uri="{FF2B5EF4-FFF2-40B4-BE49-F238E27FC236}">
+                  <a16:creationId xmlns:a16="http://schemas.microsoft.com/office/drawing/2014/main" id="{2A1533BA-1478-4F7C-8E24-3F3E905050E4}"/>
+                </a:ext>
+                <a:ext uri="{C183D7F6-B498-43B3-948B-1728B52AA6E4}">
+                  <adec:decorative xmlns:adec="http://schemas.microsoft.com/office/drawing/2017/decorative" val="1"/>
+                </a:ext>
+              </a:extLst>
+            </p:cNvPr>
+            <p:cNvSpPr/>
+            <p:nvPr>
+              <p:extLst>
+                <p:ext uri="{386F3935-93C4-4BCD-93E2-E3B085C9AB24}">
+                  <p16:designElem xmlns:p16="http://schemas.microsoft.com/office/powerpoint/2015/main" val="1"/>
+                </p:ext>
+              </p:extLst>
+            </p:nvPr>
+          </p:nvSpPr>
+          <p:spPr bwMode="auto">
+            <a:xfrm>
+              <a:off x="7412038" y="2801938"/>
+              <a:ext cx="1168400" cy="2251075"/>
+            </a:xfrm>
+            <a:custGeom>
+              <a:avLst/>
+              <a:gdLst/>
+              <a:ahLst/>
+              <a:cxnLst/>
+              <a:rect l="0" t="0" r="r" b="b"/>
+              <a:pathLst>
+                <a:path w="294" h="568">
+                  <a:moveTo>
+                    <a:pt x="8" y="553"/>
+                  </a:moveTo>
+                  <a:cubicBezTo>
+                    <a:pt x="9" y="501"/>
+                    <a:pt x="19" y="448"/>
+                    <a:pt x="35" y="397"/>
+                  </a:cubicBezTo>
+                  <a:cubicBezTo>
+                    <a:pt x="51" y="347"/>
+                    <a:pt x="73" y="298"/>
+                    <a:pt x="99" y="252"/>
+                  </a:cubicBezTo>
+                  <a:cubicBezTo>
+                    <a:pt x="124" y="205"/>
+                    <a:pt x="154" y="161"/>
+                    <a:pt x="187" y="119"/>
+                  </a:cubicBezTo>
+                  <a:cubicBezTo>
+                    <a:pt x="203" y="98"/>
+                    <a:pt x="220" y="77"/>
+                    <a:pt x="238" y="58"/>
+                  </a:cubicBezTo>
+                  <a:cubicBezTo>
+                    <a:pt x="247" y="48"/>
+                    <a:pt x="256" y="38"/>
+                    <a:pt x="265" y="28"/>
+                  </a:cubicBezTo>
+                  <a:cubicBezTo>
+                    <a:pt x="274" y="19"/>
+                    <a:pt x="284" y="9"/>
+                    <a:pt x="294" y="0"/>
+                  </a:cubicBezTo>
+                  <a:cubicBezTo>
+                    <a:pt x="293" y="0"/>
+                    <a:pt x="293" y="0"/>
+                    <a:pt x="293" y="0"/>
+                  </a:cubicBezTo>
+                  <a:cubicBezTo>
+                    <a:pt x="283" y="9"/>
+                    <a:pt x="273" y="18"/>
+                    <a:pt x="264" y="27"/>
+                  </a:cubicBezTo>
+                  <a:cubicBezTo>
+                    <a:pt x="255" y="37"/>
+                    <a:pt x="246" y="47"/>
+                    <a:pt x="237" y="56"/>
+                  </a:cubicBezTo>
+                  <a:cubicBezTo>
+                    <a:pt x="218" y="76"/>
+                    <a:pt x="201" y="96"/>
+                    <a:pt x="185" y="117"/>
+                  </a:cubicBezTo>
+                  <a:cubicBezTo>
+                    <a:pt x="151" y="159"/>
+                    <a:pt x="121" y="203"/>
+                    <a:pt x="95" y="249"/>
+                  </a:cubicBezTo>
+                  <a:cubicBezTo>
+                    <a:pt x="68" y="296"/>
+                    <a:pt x="46" y="345"/>
+                    <a:pt x="30" y="396"/>
+                  </a:cubicBezTo>
+                  <a:cubicBezTo>
+                    <a:pt x="13" y="445"/>
+                    <a:pt x="3" y="497"/>
+                    <a:pt x="0" y="549"/>
+                  </a:cubicBezTo>
+                  <a:cubicBezTo>
+                    <a:pt x="3" y="555"/>
+                    <a:pt x="5" y="561"/>
+                    <a:pt x="7" y="568"/>
+                  </a:cubicBezTo>
+                  <a:cubicBezTo>
+                    <a:pt x="7" y="563"/>
+                    <a:pt x="7" y="558"/>
+                    <a:pt x="8" y="553"/>
+                  </a:cubicBezTo>
+                  <a:close/>
+                </a:path>
+              </a:pathLst>
+            </a:custGeom>
+            <a:solidFill>
+              <a:schemeClr val="tx2"/>
+            </a:solidFill>
+            <a:ln>
+              <a:noFill/>
+            </a:ln>
+          </p:spPr>
+        </p:sp>
+        <p:sp>
+          <p:nvSpPr>
+            <p:cNvPr id="52" name="Freeform 35">
+              <a:extLst>
+                <a:ext uri="{FF2B5EF4-FFF2-40B4-BE49-F238E27FC236}">
+                  <a16:creationId xmlns:a16="http://schemas.microsoft.com/office/drawing/2014/main" id="{39686201-E633-40FD-A80A-1E28AD52E37C}"/>
+                </a:ext>
+                <a:ext uri="{C183D7F6-B498-43B3-948B-1728B52AA6E4}">
+                  <adec:decorative xmlns:adec="http://schemas.microsoft.com/office/drawing/2017/decorative" val="1"/>
+                </a:ext>
+              </a:extLst>
+            </p:cNvPr>
+            <p:cNvSpPr/>
+            <p:nvPr>
+              <p:extLst>
+                <p:ext uri="{386F3935-93C4-4BCD-93E2-E3B085C9AB24}">
+                  <p16:designElem xmlns:p16="http://schemas.microsoft.com/office/powerpoint/2015/main" val="1"/>
+                </p:ext>
+              </p:extLst>
+            </p:nvPr>
+          </p:nvSpPr>
+          <p:spPr bwMode="auto">
+            <a:xfrm>
+              <a:off x="7494588" y="5664200"/>
+              <a:ext cx="100013" cy="209550"/>
+            </a:xfrm>
+            <a:custGeom>
+              <a:avLst/>
+              <a:gdLst/>
+              <a:ahLst/>
+              <a:cxnLst/>
+              <a:rect l="0" t="0" r="r" b="b"/>
+              <a:pathLst>
+                <a:path w="25" h="53">
+                  <a:moveTo>
+                    <a:pt x="0" y="0"/>
+                  </a:moveTo>
+                  <a:cubicBezTo>
+                    <a:pt x="5" y="18"/>
+                    <a:pt x="12" y="36"/>
+                    <a:pt x="19" y="53"/>
+                  </a:cubicBezTo>
+                  <a:cubicBezTo>
+                    <a:pt x="25" y="53"/>
+                    <a:pt x="25" y="53"/>
+                    <a:pt x="25" y="53"/>
+                  </a:cubicBezTo>
+                  <a:cubicBezTo>
+                    <a:pt x="16" y="36"/>
+                    <a:pt x="8" y="18"/>
+                    <a:pt x="0" y="0"/>
+                  </a:cubicBezTo>
+                  <a:close/>
+                </a:path>
+              </a:pathLst>
+            </a:custGeom>
+            <a:solidFill>
+              <a:schemeClr val="tx2"/>
+            </a:solidFill>
+            <a:ln>
+              <a:noFill/>
+            </a:ln>
+          </p:spPr>
+        </p:sp>
+        <p:sp>
+          <p:nvSpPr>
+            <p:cNvPr id="53" name="Freeform 36">
+              <a:extLst>
+                <a:ext uri="{FF2B5EF4-FFF2-40B4-BE49-F238E27FC236}">
+                  <a16:creationId xmlns:a16="http://schemas.microsoft.com/office/drawing/2014/main" id="{76A215C2-F590-4938-810B-F8A79366CE2B}"/>
+                </a:ext>
+                <a:ext uri="{C183D7F6-B498-43B3-948B-1728B52AA6E4}">
+                  <adec:decorative xmlns:adec="http://schemas.microsoft.com/office/drawing/2017/decorative" val="1"/>
+                </a:ext>
+              </a:extLst>
+            </p:cNvPr>
+            <p:cNvSpPr/>
+            <p:nvPr>
+              <p:extLst>
+                <p:ext uri="{386F3935-93C4-4BCD-93E2-E3B085C9AB24}">
+                  <p16:designElem xmlns:p16="http://schemas.microsoft.com/office/powerpoint/2015/main" val="1"/>
+                </p:ext>
+              </p:extLst>
+            </p:nvPr>
+          </p:nvSpPr>
+          <p:spPr bwMode="auto">
+            <a:xfrm>
+              <a:off x="7412038" y="5081588"/>
+              <a:ext cx="114300" cy="558800"/>
+            </a:xfrm>
+            <a:custGeom>
+              <a:avLst/>
+              <a:gdLst/>
+              <a:ahLst/>
+              <a:cxnLst/>
+              <a:rect l="0" t="0" r="r" b="b"/>
+              <a:pathLst>
+                <a:path w="29" h="141">
+                  <a:moveTo>
+                    <a:pt x="0" y="0"/>
+                  </a:moveTo>
+                  <a:cubicBezTo>
+                    <a:pt x="0" y="30"/>
+                    <a:pt x="2" y="60"/>
+                    <a:pt x="7" y="89"/>
+                  </a:cubicBezTo>
+                  <a:cubicBezTo>
+                    <a:pt x="11" y="98"/>
+                    <a:pt x="14" y="108"/>
+                    <a:pt x="18" y="117"/>
+                  </a:cubicBezTo>
+                  <a:cubicBezTo>
+                    <a:pt x="22" y="125"/>
+                    <a:pt x="25" y="133"/>
+                    <a:pt x="29" y="141"/>
+                  </a:cubicBezTo>
+                  <a:cubicBezTo>
+                    <a:pt x="28" y="139"/>
+                    <a:pt x="28" y="137"/>
+                    <a:pt x="27" y="135"/>
+                  </a:cubicBezTo>
+                  <a:cubicBezTo>
+                    <a:pt x="16" y="98"/>
+                    <a:pt x="10" y="60"/>
+                    <a:pt x="8" y="22"/>
+                  </a:cubicBezTo>
+                  <a:cubicBezTo>
+                    <a:pt x="7" y="18"/>
+                    <a:pt x="5" y="15"/>
+                    <a:pt x="4" y="11"/>
+                  </a:cubicBezTo>
+                  <a:cubicBezTo>
+                    <a:pt x="2" y="7"/>
+                    <a:pt x="1" y="3"/>
+                    <a:pt x="0" y="0"/>
+                  </a:cubicBezTo>
+                  <a:close/>
+                </a:path>
+              </a:pathLst>
+            </a:custGeom>
+            <a:solidFill>
+              <a:schemeClr val="tx2"/>
+            </a:solidFill>
+            <a:ln>
+              <a:noFill/>
+            </a:ln>
+          </p:spPr>
+        </p:sp>
+        <p:sp>
+          <p:nvSpPr>
+            <p:cNvPr id="54" name="Freeform 37">
+              <a:extLst>
+                <a:ext uri="{FF2B5EF4-FFF2-40B4-BE49-F238E27FC236}">
+                  <a16:creationId xmlns:a16="http://schemas.microsoft.com/office/drawing/2014/main" id="{85F418E7-330D-4002-8EC8-33C1A897FFBF}"/>
+                </a:ext>
+                <a:ext uri="{C183D7F6-B498-43B3-948B-1728B52AA6E4}">
+                  <adec:decorative xmlns:adec="http://schemas.microsoft.com/office/drawing/2017/decorative" val="1"/>
+                </a:ext>
+              </a:extLst>
+            </p:cNvPr>
+            <p:cNvSpPr/>
+            <p:nvPr>
+              <p:extLst>
+                <p:ext uri="{386F3935-93C4-4BCD-93E2-E3B085C9AB24}">
+                  <p16:designElem xmlns:p16="http://schemas.microsoft.com/office/powerpoint/2015/main" val="1"/>
+                </p:ext>
+              </p:extLst>
+            </p:nvPr>
+          </p:nvSpPr>
+          <p:spPr bwMode="auto">
+            <a:xfrm>
+              <a:off x="7412038" y="4978400"/>
+              <a:ext cx="31750" cy="188913"/>
+            </a:xfrm>
+            <a:custGeom>
+              <a:avLst/>
+              <a:gdLst/>
+              <a:ahLst/>
+              <a:cxnLst/>
+              <a:rect l="0" t="0" r="r" b="b"/>
+              <a:pathLst>
+                <a:path w="8" h="48">
+                  <a:moveTo>
+                    <a:pt x="0" y="26"/>
+                  </a:moveTo>
+                  <a:cubicBezTo>
+                    <a:pt x="1" y="29"/>
+                    <a:pt x="2" y="33"/>
+                    <a:pt x="4" y="37"/>
+                  </a:cubicBezTo>
+                  <a:cubicBezTo>
+                    <a:pt x="5" y="41"/>
+                    <a:pt x="7" y="44"/>
+                    <a:pt x="8" y="48"/>
+                  </a:cubicBezTo>
+                  <a:cubicBezTo>
+                    <a:pt x="7" y="38"/>
+                    <a:pt x="7" y="28"/>
+                    <a:pt x="7" y="19"/>
+                  </a:cubicBezTo>
+                  <a:cubicBezTo>
+                    <a:pt x="5" y="12"/>
+                    <a:pt x="3" y="6"/>
+                    <a:pt x="0" y="0"/>
+                  </a:cubicBezTo>
+                  <a:cubicBezTo>
+                    <a:pt x="0" y="1"/>
+                    <a:pt x="0" y="3"/>
+                    <a:pt x="0" y="4"/>
+                  </a:cubicBezTo>
+                  <a:cubicBezTo>
+                    <a:pt x="0" y="11"/>
+                    <a:pt x="0" y="19"/>
+                    <a:pt x="0" y="26"/>
+                  </a:cubicBezTo>
+                  <a:close/>
+                </a:path>
+              </a:pathLst>
+            </a:custGeom>
+            <a:solidFill>
+              <a:schemeClr val="tx2"/>
+            </a:solidFill>
+            <a:ln>
+              <a:noFill/>
+            </a:ln>
+          </p:spPr>
+        </p:sp>
+        <p:sp>
+          <p:nvSpPr>
+            <p:cNvPr id="55" name="Freeform 38">
+              <a:extLst>
+                <a:ext uri="{FF2B5EF4-FFF2-40B4-BE49-F238E27FC236}">
+                  <a16:creationId xmlns:a16="http://schemas.microsoft.com/office/drawing/2014/main" id="{8FFE669A-54C9-4436-9566-C5A90F16DB40}"/>
+                </a:ext>
+                <a:ext uri="{C183D7F6-B498-43B3-948B-1728B52AA6E4}">
+                  <adec:decorative xmlns:adec="http://schemas.microsoft.com/office/drawing/2017/decorative" val="1"/>
+                </a:ext>
+              </a:extLst>
+            </p:cNvPr>
+            <p:cNvSpPr/>
+            <p:nvPr>
+              <p:extLst>
+                <p:ext uri="{386F3935-93C4-4BCD-93E2-E3B085C9AB24}">
+                  <p16:designElem xmlns:p16="http://schemas.microsoft.com/office/powerpoint/2015/main" val="1"/>
+                </p:ext>
+              </p:extLst>
+            </p:nvPr>
+          </p:nvSpPr>
+          <p:spPr bwMode="auto">
+            <a:xfrm>
+              <a:off x="7439026" y="5434013"/>
+              <a:ext cx="174625" cy="439738"/>
+            </a:xfrm>
+            <a:custGeom>
+              <a:avLst/>
+              <a:gdLst/>
+              <a:ahLst/>
+              <a:cxnLst/>
+              <a:rect l="0" t="0" r="r" b="b"/>
+              <a:pathLst>
+                <a:path w="44" h="111">
+                  <a:moveTo>
+                    <a:pt x="11" y="28"/>
+                  </a:moveTo>
+                  <a:cubicBezTo>
+                    <a:pt x="7" y="19"/>
+                    <a:pt x="4" y="9"/>
+                    <a:pt x="0" y="0"/>
+                  </a:cubicBezTo>
+                  <a:cubicBezTo>
+                    <a:pt x="3" y="16"/>
+                    <a:pt x="7" y="33"/>
+                    <a:pt x="11" y="49"/>
+                  </a:cubicBezTo>
+                  <a:cubicBezTo>
+                    <a:pt x="12" y="52"/>
+                    <a:pt x="13" y="55"/>
+                    <a:pt x="14" y="58"/>
+                  </a:cubicBezTo>
+                  <a:cubicBezTo>
+                    <a:pt x="22" y="76"/>
+                    <a:pt x="30" y="94"/>
+                    <a:pt x="39" y="111"/>
+                  </a:cubicBezTo>
+                  <a:cubicBezTo>
+                    <a:pt x="44" y="111"/>
+                    <a:pt x="44" y="111"/>
+                    <a:pt x="44" y="111"/>
+                  </a:cubicBezTo>
+                  <a:cubicBezTo>
+                    <a:pt x="35" y="92"/>
+                    <a:pt x="28" y="72"/>
+                    <a:pt x="22" y="52"/>
+                  </a:cubicBezTo>
+                  <a:cubicBezTo>
+                    <a:pt x="18" y="44"/>
+                    <a:pt x="15" y="36"/>
+                    <a:pt x="11" y="28"/>
+                  </a:cubicBezTo>
+                  <a:close/>
+                </a:path>
+              </a:pathLst>
+            </a:custGeom>
+            <a:solidFill>
+              <a:schemeClr val="tx2"/>
+            </a:solidFill>
+            <a:ln>
+              <a:noFill/>
+            </a:ln>
+          </p:spPr>
+        </p:sp>
+      </p:grpSp>
+      <p:sp>
+        <p:nvSpPr>
+          <p:cNvPr id="57" name="Rectangle 56">
+            <a:extLst>
+              <a:ext uri="{FF2B5EF4-FFF2-40B4-BE49-F238E27FC236}">
+                <a16:creationId xmlns:a16="http://schemas.microsoft.com/office/drawing/2014/main" id="{DE91395A-2D18-4AF6-A0AC-AAA7189FED11}"/>
+              </a:ext>
+              <a:ext uri="{C183D7F6-B498-43B3-948B-1728B52AA6E4}">
+                <adec:decorative xmlns:adec="http://schemas.microsoft.com/office/drawing/2017/decorative" val="1"/>
+              </a:ext>
+            </a:extLst>
+          </p:cNvPr>
+          <p:cNvSpPr>
+            <a:spLocks noGrp="1" noRot="1" noChangeAspect="1" noMove="1" noResize="1" noEditPoints="1" noAdjustHandles="1" noChangeArrowheads="1" noChangeShapeType="1" noTextEdit="1"/>
+          </p:cNvSpPr>
+          <p:nvPr>
+            <p:extLst>
+              <p:ext uri="{386F3935-93C4-4BCD-93E2-E3B085C9AB24}">
+                <p16:designElem xmlns:p16="http://schemas.microsoft.com/office/powerpoint/2015/main" val="1"/>
+              </p:ext>
+            </p:extLst>
+          </p:nvPr>
+        </p:nvSpPr>
+        <p:spPr>
+          <a:xfrm>
+            <a:off x="0" y="0"/>
+            <a:ext cx="182880" cy="6858000"/>
+          </a:xfrm>
+          <a:prstGeom prst="rect">
+            <a:avLst/>
+          </a:prstGeom>
+          <a:solidFill>
+            <a:schemeClr val="tx2"/>
+          </a:solidFill>
+          <a:ln>
+            <a:noFill/>
+          </a:ln>
+          <a:effectLst/>
+        </p:spPr>
+        <p:style>
+          <a:lnRef idx="1">
+            <a:schemeClr val="accent1"/>
+          </a:lnRef>
+          <a:fillRef idx="3">
+            <a:schemeClr val="accent1"/>
+          </a:fillRef>
+          <a:effectRef idx="2">
+            <a:schemeClr val="accent1"/>
+          </a:effectRef>
+          <a:fontRef idx="minor">
+            <a:schemeClr val="lt1"/>
+          </a:fontRef>
+        </p:style>
+      </p:sp>
+      <p:sp>
+        <p:nvSpPr>
+          <p:cNvPr id="59" name="Freeform 6">
+            <a:extLst>
+              <a:ext uri="{FF2B5EF4-FFF2-40B4-BE49-F238E27FC236}">
+                <a16:creationId xmlns:a16="http://schemas.microsoft.com/office/drawing/2014/main" id="{7BD08880-457D-4C62-A3B5-6A9B0878C7E9}"/>
+              </a:ext>
+              <a:ext uri="{C183D7F6-B498-43B3-948B-1728B52AA6E4}">
+                <adec:decorative xmlns:adec="http://schemas.microsoft.com/office/drawing/2017/decorative" val="1"/>
+              </a:ext>
+            </a:extLst>
+          </p:cNvPr>
+          <p:cNvSpPr>
+            <a:spLocks noGrp="1" noRot="1" noChangeAspect="1" noMove="1" noResize="1" noEditPoints="1" noAdjustHandles="1" noChangeArrowheads="1" noChangeShapeType="1" noTextEdit="1"/>
+          </p:cNvSpPr>
+          <p:nvPr>
+            <p:extLst>
+              <p:ext uri="{386F3935-93C4-4BCD-93E2-E3B085C9AB24}">
+                <p16:designElem xmlns:p16="http://schemas.microsoft.com/office/powerpoint/2015/main" val="1"/>
+              </p:ext>
+            </p:extLst>
+          </p:nvPr>
+        </p:nvSpPr>
+        <p:spPr bwMode="auto">
+          <a:xfrm>
+            <a:off x="0" y="4323810"/>
+            <a:ext cx="1744652" cy="778589"/>
+          </a:xfrm>
+          <a:custGeom>
+            <a:avLst/>
+            <a:gdLst/>
+            <a:ahLst/>
+            <a:cxnLst/>
+            <a:rect l="0" t="0" r="r" b="b"/>
+            <a:pathLst>
+              <a:path w="372" h="166">
+                <a:moveTo>
+                  <a:pt x="287" y="166"/>
+                </a:moveTo>
+                <a:cubicBezTo>
+                  <a:pt x="290" y="166"/>
+                  <a:pt x="292" y="165"/>
+                  <a:pt x="293" y="164"/>
+                </a:cubicBezTo>
+                <a:cubicBezTo>
+                  <a:pt x="293" y="163"/>
+                  <a:pt x="294" y="163"/>
+                  <a:pt x="294" y="163"/>
+                </a:cubicBezTo>
+                <a:cubicBezTo>
+                  <a:pt x="370" y="87"/>
+                  <a:pt x="370" y="87"/>
+                  <a:pt x="370" y="87"/>
+                </a:cubicBezTo>
+                <a:cubicBezTo>
+                  <a:pt x="372" y="85"/>
+                  <a:pt x="372" y="81"/>
+                  <a:pt x="370" y="78"/>
+                </a:cubicBezTo>
+                <a:cubicBezTo>
+                  <a:pt x="294" y="3"/>
+                  <a:pt x="294" y="3"/>
+                  <a:pt x="294" y="3"/>
+                </a:cubicBezTo>
+                <a:cubicBezTo>
+                  <a:pt x="294" y="2"/>
+                  <a:pt x="293" y="2"/>
+                  <a:pt x="293" y="2"/>
+                </a:cubicBezTo>
+                <a:cubicBezTo>
+                  <a:pt x="292" y="1"/>
+                  <a:pt x="290" y="0"/>
+                  <a:pt x="287" y="0"/>
+                </a:cubicBezTo>
+                <a:cubicBezTo>
+                  <a:pt x="0" y="0"/>
+                  <a:pt x="0" y="0"/>
+                  <a:pt x="0" y="0"/>
+                </a:cubicBezTo>
+                <a:cubicBezTo>
+                  <a:pt x="0" y="166"/>
+                  <a:pt x="0" y="166"/>
+                  <a:pt x="0" y="166"/>
+                </a:cubicBezTo>
+                <a:lnTo>
+                  <a:pt x="287" y="166"/>
+                </a:lnTo>
+                <a:close/>
+              </a:path>
+            </a:pathLst>
+          </a:custGeom>
+          <a:solidFill>
+            <a:schemeClr val="accent1"/>
+          </a:solidFill>
+          <a:ln>
+            <a:noFill/>
+          </a:ln>
+        </p:spPr>
+      </p:sp>
+      <p:sp useBgFill="1">
+        <p:nvSpPr>
+          <p:cNvPr id="61" name="Rectangle 60">
+            <a:extLst>
+              <a:ext uri="{FF2B5EF4-FFF2-40B4-BE49-F238E27FC236}">
+                <a16:creationId xmlns:a16="http://schemas.microsoft.com/office/drawing/2014/main" id="{1FF9CEF5-A50D-4B8B-9852-D76F7037867E}"/>
+              </a:ext>
+              <a:ext uri="{C183D7F6-B498-43B3-948B-1728B52AA6E4}">
+                <adec:decorative xmlns:adec="http://schemas.microsoft.com/office/drawing/2017/decorative" val="1"/>
+              </a:ext>
+            </a:extLst>
+          </p:cNvPr>
+          <p:cNvSpPr>
+            <a:spLocks noGrp="1" noRot="1" noChangeAspect="1" noMove="1" noResize="1" noEditPoints="1" noAdjustHandles="1" noChangeArrowheads="1" noChangeShapeType="1" noTextEdit="1"/>
+          </p:cNvSpPr>
+          <p:nvPr>
+            <p:extLst>
+              <p:ext uri="{386F3935-93C4-4BCD-93E2-E3B085C9AB24}">
+                <p16:designElem xmlns:p16="http://schemas.microsoft.com/office/powerpoint/2015/main" val="1"/>
+              </p:ext>
+            </p:extLst>
+          </p:nvPr>
+        </p:nvSpPr>
+        <p:spPr>
+          <a:xfrm>
+            <a:off x="0" y="-786"/>
+            <a:ext cx="12192000" cy="6854038"/>
+          </a:xfrm>
+          <a:prstGeom prst="rect">
+            <a:avLst/>
+          </a:prstGeom>
+          <a:ln>
+            <a:noFill/>
+          </a:ln>
+        </p:spPr>
+        <p:style>
+          <a:lnRef idx="2">
+            <a:schemeClr val="accent1">
+              <a:shade val="50000"/>
+            </a:schemeClr>
+          </a:lnRef>
+          <a:fillRef idx="1">
+            <a:schemeClr val="accent1"/>
+          </a:fillRef>
+          <a:effectRef idx="0">
+            <a:schemeClr val="accent1"/>
+          </a:effectRef>
+          <a:fontRef idx="minor">
+            <a:schemeClr val="lt1"/>
+          </a:fontRef>
+        </p:style>
+        <p:txBody>
+          <a:bodyPr rtlCol="0" anchor="ctr"/>
+          <a:lstStyle/>
+          <a:p>
+            <a:pPr algn="ctr"/>
+            <a:endParaRPr lang="en-US"/>
+          </a:p>
+        </p:txBody>
+      </p:sp>
+      <p:pic>
+        <p:nvPicPr>
+          <p:cNvPr id="3" name="Afbeelding 2">
+            <a:extLst>
+              <a:ext uri="{FF2B5EF4-FFF2-40B4-BE49-F238E27FC236}">
+                <a16:creationId xmlns:a16="http://schemas.microsoft.com/office/drawing/2014/main" id="{72B2D6DE-C9B5-4678-91EF-77E85F2350DA}"/>
+              </a:ext>
+              <a:ext uri="{C183D7F6-B498-43B3-948B-1728B52AA6E4}">
+                <adec:decorative xmlns:adec="http://schemas.microsoft.com/office/drawing/2017/decorative" val="1"/>
+              </a:ext>
+            </a:extLst>
+          </p:cNvPr>
+          <p:cNvPicPr>
+            <a:picLocks noChangeAspect="1"/>
+          </p:cNvPicPr>
+          <p:nvPr/>
+        </p:nvPicPr>
+        <p:blipFill rotWithShape="1">
+          <a:blip r:embed="rId3">
+            <a:alphaModFix amt="40000"/>
+            <a:extLst>
+              <a:ext uri="{28A0092B-C50C-407E-A947-70E740481C1C}">
+                <a14:useLocalDpi xmlns:a14="http://schemas.microsoft.com/office/drawing/2010/main" val="0"/>
+              </a:ext>
+            </a:extLst>
+          </a:blip>
+          <a:srcRect t="24969" b="24968"/>
+          <a:stretch/>
+        </p:blipFill>
+        <p:spPr>
+          <a:xfrm>
+            <a:off x="20" y="10"/>
+            <a:ext cx="12191980" cy="6857990"/>
+          </a:xfrm>
+          <a:prstGeom prst="rect">
+            <a:avLst/>
+          </a:prstGeom>
+        </p:spPr>
+      </p:pic>
+      <p:sp>
+        <p:nvSpPr>
+          <p:cNvPr id="2" name="Titel 1">
+            <a:extLst>
+              <a:ext uri="{FF2B5EF4-FFF2-40B4-BE49-F238E27FC236}">
+                <a16:creationId xmlns:a16="http://schemas.microsoft.com/office/drawing/2014/main" id="{89559F60-4CE1-4E2F-86EA-1B60679F1F4A}"/>
+              </a:ext>
+            </a:extLst>
+          </p:cNvPr>
+          <p:cNvSpPr>
+            <a:spLocks noGrp="1"/>
+          </p:cNvSpPr>
+          <p:nvPr>
+            <p:ph type="title"/>
+          </p:nvPr>
+        </p:nvSpPr>
+        <p:spPr>
+          <a:xfrm>
+            <a:off x="2589213" y="2514600"/>
+            <a:ext cx="8915399" cy="2262781"/>
+          </a:xfrm>
+        </p:spPr>
+        <p:txBody>
+          <a:bodyPr vert="horz" lIns="91440" tIns="45720" rIns="91440" bIns="45720" rtlCol="0" anchor="b">
+            <a:normAutofit/>
+          </a:bodyPr>
+          <a:lstStyle/>
+          <a:p>
+            <a:r>
+              <a:rPr lang="en-US" sz="5400" dirty="0" err="1">
+                <a:solidFill>
+                  <a:schemeClr val="tx1"/>
+                </a:solidFill>
+              </a:rPr>
+              <a:t>Onze</a:t>
+            </a:r>
+            <a:r>
+              <a:rPr lang="en-US" sz="5400" dirty="0">
+                <a:solidFill>
+                  <a:schemeClr val="tx1"/>
+                </a:solidFill>
+              </a:rPr>
+              <a:t> </a:t>
+            </a:r>
+            <a:r>
+              <a:rPr lang="en-US" sz="5400" dirty="0" err="1">
+                <a:solidFill>
+                  <a:schemeClr val="tx1"/>
+                </a:solidFill>
+              </a:rPr>
+              <a:t>ervaringen</a:t>
+            </a:r>
+            <a:r>
+              <a:rPr lang="en-US" sz="5400" dirty="0">
+                <a:solidFill>
+                  <a:schemeClr val="tx1"/>
+                </a:solidFill>
+              </a:rPr>
+              <a:t>	</a:t>
+            </a:r>
+          </a:p>
+        </p:txBody>
+      </p:sp>
+      <p:sp>
+        <p:nvSpPr>
+          <p:cNvPr id="24" name="Tijdelijke aanduiding voor inhoud 2">
+            <a:extLst>
+              <a:ext uri="{FF2B5EF4-FFF2-40B4-BE49-F238E27FC236}">
+                <a16:creationId xmlns:a16="http://schemas.microsoft.com/office/drawing/2014/main" id="{F260476B-CCA6-412B-A9C5-399C34AE6F05}"/>
+              </a:ext>
+            </a:extLst>
+          </p:cNvPr>
+          <p:cNvSpPr>
+            <a:spLocks noGrp="1"/>
+          </p:cNvSpPr>
+          <p:nvPr>
+            <p:ph idx="1"/>
+          </p:nvPr>
+        </p:nvSpPr>
+        <p:spPr>
+          <a:xfrm>
+            <a:off x="2589213" y="4777379"/>
+            <a:ext cx="8915399" cy="1126283"/>
+          </a:xfrm>
+        </p:spPr>
+        <p:txBody>
+          <a:bodyPr vert="horz" lIns="91440" tIns="45720" rIns="91440" bIns="45720" rtlCol="0" anchor="t">
+            <a:normAutofit/>
+          </a:bodyPr>
+          <a:lstStyle/>
+          <a:p>
+            <a:pPr marL="0" indent="0">
+              <a:buNone/>
+            </a:pPr>
+            <a:endParaRPr lang="en-US" dirty="0">
+              <a:solidFill>
+                <a:schemeClr val="tx1">
+                  <a:lumMod val="65000"/>
+                  <a:lumOff val="35000"/>
+                </a:schemeClr>
+              </a:solidFill>
+            </a:endParaRPr>
+          </a:p>
+        </p:txBody>
+      </p:sp>
+      <p:sp>
+        <p:nvSpPr>
+          <p:cNvPr id="63" name="Rectangle 62">
+            <a:extLst>
+              <a:ext uri="{FF2B5EF4-FFF2-40B4-BE49-F238E27FC236}">
+                <a16:creationId xmlns:a16="http://schemas.microsoft.com/office/drawing/2014/main" id="{30684D86-C9D1-40C3-A9B6-EC935C7312E3}"/>
+              </a:ext>
+              <a:ext uri="{C183D7F6-B498-43B3-948B-1728B52AA6E4}">
+                <adec:decorative xmlns:adec="http://schemas.microsoft.com/office/drawing/2017/decorative" val="1"/>
+              </a:ext>
+            </a:extLst>
+          </p:cNvPr>
+          <p:cNvSpPr>
+            <a:spLocks noGrp="1" noRot="1" noChangeAspect="1" noMove="1" noResize="1" noEditPoints="1" noAdjustHandles="1" noChangeArrowheads="1" noChangeShapeType="1" noTextEdit="1"/>
+          </p:cNvSpPr>
+          <p:nvPr>
+            <p:extLst>
+              <p:ext uri="{386F3935-93C4-4BCD-93E2-E3B085C9AB24}">
+                <p16:designElem xmlns:p16="http://schemas.microsoft.com/office/powerpoint/2015/main" val="1"/>
+              </p:ext>
+            </p:extLst>
+          </p:nvPr>
+        </p:nvSpPr>
+        <p:spPr>
+          <a:xfrm>
+            <a:off x="0" y="0"/>
+            <a:ext cx="182880" cy="6858000"/>
+          </a:xfrm>
+          <a:prstGeom prst="rect">
+            <a:avLst/>
+          </a:prstGeom>
+          <a:solidFill>
+            <a:schemeClr val="bg2"/>
+          </a:solidFill>
+          <a:ln>
+            <a:noFill/>
+          </a:ln>
+          <a:effectLst/>
+        </p:spPr>
+        <p:style>
+          <a:lnRef idx="1">
+            <a:schemeClr val="accent1"/>
+          </a:lnRef>
+          <a:fillRef idx="3">
+            <a:schemeClr val="accent1"/>
+          </a:fillRef>
+          <a:effectRef idx="2">
+            <a:schemeClr val="accent1"/>
+          </a:effectRef>
+          <a:fontRef idx="minor">
+            <a:schemeClr val="lt1"/>
+          </a:fontRef>
+        </p:style>
+      </p:sp>
+      <p:sp>
+        <p:nvSpPr>
+          <p:cNvPr id="65" name="Freeform 33">
+            <a:extLst>
+              <a:ext uri="{FF2B5EF4-FFF2-40B4-BE49-F238E27FC236}">
+                <a16:creationId xmlns:a16="http://schemas.microsoft.com/office/drawing/2014/main" id="{1EDF7896-F56A-49DA-90F3-F5CE8B9833AD}"/>
+              </a:ext>
+              <a:ext uri="{C183D7F6-B498-43B3-948B-1728B52AA6E4}">
+                <adec:decorative xmlns:adec="http://schemas.microsoft.com/office/drawing/2017/decorative" val="1"/>
+              </a:ext>
+            </a:extLst>
+          </p:cNvPr>
+          <p:cNvSpPr>
+            <a:spLocks noGrp="1" noRot="1" noChangeAspect="1" noMove="1" noResize="1" noEditPoints="1" noAdjustHandles="1" noChangeArrowheads="1" noChangeShapeType="1" noTextEdit="1"/>
+          </p:cNvSpPr>
+          <p:nvPr>
+            <p:extLst>
+              <p:ext uri="{386F3935-93C4-4BCD-93E2-E3B085C9AB24}">
+                <p16:designElem xmlns:p16="http://schemas.microsoft.com/office/powerpoint/2015/main" val="1"/>
+              </p:ext>
+            </p:extLst>
+          </p:nvPr>
+        </p:nvSpPr>
+        <p:spPr bwMode="auto">
+          <a:xfrm>
+            <a:off x="0" y="4323810"/>
+            <a:ext cx="1744652" cy="778589"/>
+          </a:xfrm>
+          <a:custGeom>
+            <a:avLst/>
+            <a:gdLst/>
+            <a:ahLst/>
+            <a:cxnLst/>
+            <a:rect l="0" t="0" r="r" b="b"/>
+            <a:pathLst>
+              <a:path w="372" h="166">
+                <a:moveTo>
+                  <a:pt x="287" y="166"/>
+                </a:moveTo>
+                <a:cubicBezTo>
+                  <a:pt x="290" y="166"/>
+                  <a:pt x="292" y="165"/>
+                  <a:pt x="293" y="164"/>
+                </a:cubicBezTo>
+                <a:cubicBezTo>
+                  <a:pt x="293" y="163"/>
+                  <a:pt x="294" y="163"/>
+                  <a:pt x="294" y="163"/>
+                </a:cubicBezTo>
+                <a:cubicBezTo>
+                  <a:pt x="370" y="87"/>
+                  <a:pt x="370" y="87"/>
+                  <a:pt x="370" y="87"/>
+                </a:cubicBezTo>
+                <a:cubicBezTo>
+                  <a:pt x="372" y="85"/>
+                  <a:pt x="372" y="81"/>
+                  <a:pt x="370" y="78"/>
+                </a:cubicBezTo>
+                <a:cubicBezTo>
+                  <a:pt x="294" y="3"/>
+                  <a:pt x="294" y="3"/>
+                  <a:pt x="294" y="3"/>
+                </a:cubicBezTo>
+                <a:cubicBezTo>
+                  <a:pt x="294" y="2"/>
+                  <a:pt x="293" y="2"/>
+                  <a:pt x="293" y="2"/>
+                </a:cubicBezTo>
+                <a:cubicBezTo>
+                  <a:pt x="292" y="1"/>
+                  <a:pt x="290" y="0"/>
+                  <a:pt x="287" y="0"/>
+                </a:cubicBezTo>
+                <a:cubicBezTo>
+                  <a:pt x="0" y="0"/>
+                  <a:pt x="0" y="0"/>
+                  <a:pt x="0" y="0"/>
+                </a:cubicBezTo>
+                <a:cubicBezTo>
+                  <a:pt x="0" y="166"/>
+                  <a:pt x="0" y="166"/>
+                  <a:pt x="0" y="166"/>
+                </a:cubicBezTo>
+                <a:lnTo>
+                  <a:pt x="287" y="166"/>
+                </a:lnTo>
+                <a:close/>
+              </a:path>
+            </a:pathLst>
+          </a:custGeom>
+          <a:solidFill>
+            <a:schemeClr val="accent1"/>
+          </a:solidFill>
+          <a:ln>
+            <a:noFill/>
+          </a:ln>
+        </p:spPr>
+      </p:sp>
+    </p:spTree>
+    <p:extLst>
+      <p:ext uri="{BB962C8B-B14F-4D97-AF65-F5344CB8AC3E}">
+        <p14:creationId xmlns:p14="http://schemas.microsoft.com/office/powerpoint/2010/main" val="3720683764"/>
+      </p:ext>
+    </p:extLst>
+  </p:cSld>
+  <p:clrMapOvr>
+    <a:overrideClrMapping bg1="dk1" tx1="lt1" bg2="dk2" tx2="lt2" accent1="accent1" accent2="accent2" accent3="accent3" accent4="accent4" accent5="accent5" accent6="accent6" hlink="hlink" folHlink="folHlink"/>
+  </p:clrMapOvr>
+</p:sld>
+</file>
+
 <file path=ppt/slides/slide2.xml><?xml version="1.0" encoding="utf-8"?>
 <p:sld xmlns:a="http://schemas.openxmlformats.org/drawingml/2006/main" xmlns:r="http://schemas.openxmlformats.org/officeDocument/2006/relationships" xmlns:p="http://schemas.openxmlformats.org/presentationml/2006/main">
   <p:cSld>
@@ -13659,7 +16527,23 @@
           <a:bodyPr/>
           <a:lstStyle/>
           <a:p>
-            <a:endParaRPr lang="nl-NL"/>
+            <a:r>
+              <a:rPr lang="nl-NL" dirty="0" err="1"/>
+              <a:t>Wordpress</a:t>
+            </a:r>
+            <a:endParaRPr lang="nl-NL" dirty="0"/>
+          </a:p>
+          <a:p>
+            <a:r>
+              <a:rPr lang="nl-NL" dirty="0"/>
+              <a:t>Foto op pagina krijgen</a:t>
+            </a:r>
+          </a:p>
+          <a:p>
+            <a:r>
+              <a:rPr lang="nl-NL" dirty="0"/>
+              <a:t>Git (Claudia)</a:t>
+            </a:r>
           </a:p>
         </p:txBody>
       </p:sp>
@@ -15996,15 +18880,6 @@
 </file>
 
 <file path=customXml/item1.xml><?xml version="1.0" encoding="utf-8"?>
-<?mso-contentType ?>
-<FormTemplates xmlns="http://schemas.microsoft.com/sharepoint/v3/contenttype/forms">
-  <Display>DocumentLibraryForm</Display>
-  <Edit>DocumentLibraryForm</Edit>
-  <New>DocumentLibraryForm</New>
-</FormTemplates>
-</file>
-
-<file path=customXml/item2.xml><?xml version="1.0" encoding="utf-8"?>
 <ct:contentTypeSchema xmlns:ct="http://schemas.microsoft.com/office/2006/metadata/contentType" xmlns:ma="http://schemas.microsoft.com/office/2006/metadata/properties/metaAttributes" ct:_="" ma:_="" ma:contentTypeName="Document" ma:contentTypeID="0x01010079F111ED35F8CC479449609E8A0923A6" ma:contentTypeVersion="12" ma:contentTypeDescription="Create a new document." ma:contentTypeScope="" ma:versionID="a410dd7f93c95333ffa1b60ed6adedd1">
   <xsd:schema xmlns:xsd="http://www.w3.org/2001/XMLSchema" xmlns:xs="http://www.w3.org/2001/XMLSchema" xmlns:p="http://schemas.microsoft.com/office/2006/metadata/properties" xmlns:ns2="71af3243-3dd4-4a8d-8c0d-dd76da1f02a5" xmlns:ns3="16c05727-aa75-4e4a-9b5f-8a80a1165891" targetNamespace="http://schemas.microsoft.com/office/2006/metadata/properties" ma:root="true" ma:fieldsID="a936d9baba76aa3866493feff160faab" ns2:_="" ns3:_="">
     <xsd:import namespace="71af3243-3dd4-4a8d-8c0d-dd76da1f02a5"/>
@@ -16225,6 +19100,15 @@
 </ct:contentTypeSchema>
 </file>
 
+<file path=customXml/item2.xml><?xml version="1.0" encoding="utf-8"?>
+<?mso-contentType ?>
+<FormTemplates xmlns="http://schemas.microsoft.com/sharepoint/v3/contenttype/forms">
+  <Display>DocumentLibraryForm</Display>
+  <Edit>DocumentLibraryForm</Edit>
+  <New>DocumentLibraryForm</New>
+</FormTemplates>
+</file>
+
 <file path=customXml/item3.xml><?xml version="1.0" encoding="utf-8"?>
 <p:properties xmlns:p="http://schemas.microsoft.com/office/2006/metadata/properties" xmlns:xsi="http://www.w3.org/2001/XMLSchema-instance" xmlns:pc="http://schemas.microsoft.com/office/infopath/2007/PartnerControls">
   <documentManagement>
@@ -16235,14 +19119,6 @@
 </file>
 
 <file path=customXml/itemProps1.xml><?xml version="1.0" encoding="utf-8"?>
-<ds:datastoreItem xmlns:ds="http://schemas.openxmlformats.org/officeDocument/2006/customXml" ds:itemID="{64B270AB-C138-415C-897E-3C24487DECF1}">
-  <ds:schemaRefs>
-    <ds:schemaRef ds:uri="http://schemas.microsoft.com/sharepoint/v3/contenttype/forms"/>
-  </ds:schemaRefs>
-</ds:datastoreItem>
-</file>
-
-<file path=customXml/itemProps2.xml><?xml version="1.0" encoding="utf-8"?>
 <ds:datastoreItem xmlns:ds="http://schemas.openxmlformats.org/officeDocument/2006/customXml" ds:itemID="{0585E981-8C91-4205-A0C3-C991F42B4C9E}">
   <ds:schemaRefs>
     <ds:schemaRef ds:uri="http://schemas.microsoft.com/office/2006/metadata/contentType"/>
@@ -16261,6 +19137,14 @@
 </ds:datastoreItem>
 </file>
 
+<file path=customXml/itemProps2.xml><?xml version="1.0" encoding="utf-8"?>
+<ds:datastoreItem xmlns:ds="http://schemas.openxmlformats.org/officeDocument/2006/customXml" ds:itemID="{64B270AB-C138-415C-897E-3C24487DECF1}">
+  <ds:schemaRefs>
+    <ds:schemaRef ds:uri="http://schemas.microsoft.com/sharepoint/v3/contenttype/forms"/>
+  </ds:schemaRefs>
+</ds:datastoreItem>
+</file>
+
 <file path=customXml/itemProps3.xml><?xml version="1.0" encoding="utf-8"?>
 <ds:datastoreItem xmlns:ds="http://schemas.openxmlformats.org/officeDocument/2006/customXml" ds:itemID="{2C4C00F4-06E9-43E3-AD97-88A857CEFA82}">
   <ds:schemaRefs>
